--- a/Complimentary Course Content/Module5/Lessons/Module5_Lesson7 Regression and Classification.pptx
+++ b/Complimentary Course Content/Module5/Lessons/Module5_Lesson7 Regression and Classification.pptx
@@ -199,7 +199,7 @@
       </p14:sectionLst>
     </p:ext>
     <p:ext uri="{EFAFB233-063F-42B5-8137-9DF3F51BA10A}">
-      <p15:sldGuideLst xmlns:p15="http://schemas.microsoft.com/office/powerpoint/2012/main" xmlns="">
+      <p15:sldGuideLst xmlns="" xmlns:p15="http://schemas.microsoft.com/office/powerpoint/2012/main">
         <p15:guide id="1" orient="horz" pos="2160">
           <p15:clr>
             <a:srgbClr val="A4A3A4"/>
@@ -213,7 +213,7 @@
       </p15:sldGuideLst>
     </p:ext>
     <p:ext uri="{2D200454-40CA-4A62-9FC3-DE9A4176ACB9}">
-      <p15:notesGuideLst xmlns:p15="http://schemas.microsoft.com/office/powerpoint/2012/main" xmlns=""/>
+      <p15:notesGuideLst xmlns="" xmlns:p15="http://schemas.microsoft.com/office/powerpoint/2012/main"/>
     </p:ext>
   </p:extLst>
 </p:presentation>
@@ -224,16 +224,6 @@
   <p:cmAuthor id="1" name="Author" initials="A" lastIdx="1" clrIdx="1"/>
   <p:cmAuthor id="2" name="Mary Kate Reid" initials="" lastIdx="0" clrIdx="2"/>
 </p:cmAuthorLst>
-</file>
-
-<file path=ppt/comments/comment1.xml><?xml version="1.0" encoding="utf-8"?>
-<p:cmLst xmlns:a="http://schemas.openxmlformats.org/drawingml/2006/main" xmlns:r="http://schemas.openxmlformats.org/officeDocument/2006/relationships" xmlns:p="http://schemas.openxmlformats.org/presentationml/2006/main">
-  <p:cm authorId="1" dt="2016-06-24T14:41:04.485" idx="1">
-    <p:pos x="4555" y="1716"/>
-    <p:text>Justin made the point that this lesson is concerningly math heavy. I believe he has a good point. 
-I think taking a pass at this and simplifying the math concepts involved would be very helpful.</p:text>
-  </p:cm>
-</p:cmLst>
 </file>
 
 <file path=ppt/handoutMasters/handoutMaster1.xml><?xml version="1.0" encoding="utf-8"?>
@@ -319,7 +309,7 @@
             <a:fld id="{30A74B2F-3EEF-410A-B738-5B66A46A3256}" type="datetimeFigureOut">
               <a:rPr lang="en-US" smtClean="0"/>
               <a:pPr/>
-              <a:t>6/29/16</a:t>
+              <a:t>7/7/16</a:t>
             </a:fld>
             <a:endParaRPr lang="en-US"/>
           </a:p>
@@ -486,7 +476,7 @@
             <a:fld id="{2E5CA586-3557-4985-BCD4-35EF5AC8B4A4}" type="datetimeFigureOut">
               <a:rPr lang="en-US" smtClean="0"/>
               <a:pPr/>
-              <a:t>6/29/16</a:t>
+              <a:t>7/7/16</a:t>
             </a:fld>
             <a:endParaRPr lang="en-US"/>
           </a:p>
@@ -15785,7 +15775,7 @@
                 <a:latin typeface="Segoe UI"/>
               </a:rPr>
               <a:pPr/>
-              <a:t>6/29/16</a:t>
+              <a:t>7/7/16</a:t>
             </a:fld>
             <a:endParaRPr lang="en-US">
               <a:solidFill>
@@ -15990,7 +15980,7 @@
                 <a:latin typeface="Segoe UI"/>
               </a:rPr>
               <a:pPr/>
-              <a:t>6/29/16</a:t>
+              <a:t>7/7/16</a:t>
             </a:fld>
             <a:endParaRPr lang="en-US">
               <a:solidFill>
@@ -16288,7 +16278,7 @@
                 <a:latin typeface="Segoe UI"/>
               </a:rPr>
               <a:pPr/>
-              <a:t>6/29/16</a:t>
+              <a:t>7/7/16</a:t>
             </a:fld>
             <a:endParaRPr lang="en-US">
               <a:solidFill>
@@ -16632,7 +16622,7 @@
                 <a:latin typeface="Segoe UI"/>
               </a:rPr>
               <a:pPr/>
-              <a:t>6/29/16</a:t>
+              <a:t>7/7/16</a:t>
             </a:fld>
             <a:endParaRPr lang="en-US">
               <a:solidFill>
@@ -17007,7 +16997,7 @@
                 <a:latin typeface="Segoe UI"/>
               </a:rPr>
               <a:pPr/>
-              <a:t>6/29/16</a:t>
+              <a:t>7/7/16</a:t>
             </a:fld>
             <a:endParaRPr lang="en-US">
               <a:solidFill>
@@ -18318,7 +18308,7 @@
                 <a:latin typeface="Segoe UI"/>
               </a:rPr>
               <a:pPr/>
-              <a:t>6/29/16</a:t>
+              <a:t>7/7/16</a:t>
             </a:fld>
             <a:endParaRPr lang="en-US">
               <a:solidFill>
@@ -18719,7 +18709,7 @@
                 <a:latin typeface="Segoe UI"/>
               </a:rPr>
               <a:pPr/>
-              <a:t>6/29/16</a:t>
+              <a:t>7/7/16</a:t>
             </a:fld>
             <a:endParaRPr lang="en-US">
               <a:solidFill>
@@ -18873,7 +18863,7 @@
                 <a:latin typeface="Segoe UI"/>
               </a:rPr>
               <a:pPr/>
-              <a:t>6/29/16</a:t>
+              <a:t>7/7/16</a:t>
             </a:fld>
             <a:endParaRPr lang="en-US">
               <a:solidFill>
@@ -19005,7 +18995,7 @@
                 <a:latin typeface="Segoe UI"/>
               </a:rPr>
               <a:pPr/>
-              <a:t>6/29/16</a:t>
+              <a:t>7/7/16</a:t>
             </a:fld>
             <a:endParaRPr lang="en-US">
               <a:solidFill>
@@ -19317,7 +19307,7 @@
                 <a:latin typeface="Segoe UI"/>
               </a:rPr>
               <a:pPr/>
-              <a:t>6/29/16</a:t>
+              <a:t>7/7/16</a:t>
             </a:fld>
             <a:endParaRPr lang="en-US">
               <a:solidFill>
@@ -19606,7 +19596,7 @@
                 <a:latin typeface="Segoe UI"/>
               </a:rPr>
               <a:pPr/>
-              <a:t>6/29/16</a:t>
+              <a:t>7/7/16</a:t>
             </a:fld>
             <a:endParaRPr lang="en-US">
               <a:solidFill>
@@ -19811,7 +19801,7 @@
                 <a:latin typeface="Segoe UI"/>
               </a:rPr>
               <a:pPr/>
-              <a:t>6/29/16</a:t>
+              <a:t>7/7/16</a:t>
             </a:fld>
             <a:endParaRPr lang="en-US">
               <a:solidFill>
@@ -20026,7 +20016,7 @@
                 <a:latin typeface="Segoe UI"/>
               </a:rPr>
               <a:pPr/>
-              <a:t>6/29/16</a:t>
+              <a:t>7/7/16</a:t>
             </a:fld>
             <a:endParaRPr lang="en-US">
               <a:solidFill>
@@ -20269,7 +20259,7 @@
                 <a:latin typeface="Segoe UI"/>
               </a:rPr>
               <a:pPr/>
-              <a:t>6/29/16</a:t>
+              <a:t>7/7/16</a:t>
             </a:fld>
             <a:endParaRPr lang="en-US">
               <a:solidFill>
@@ -20474,7 +20464,7 @@
                 <a:latin typeface="Segoe UI"/>
               </a:rPr>
               <a:pPr/>
-              <a:t>6/29/16</a:t>
+              <a:t>7/7/16</a:t>
             </a:fld>
             <a:endParaRPr lang="en-US">
               <a:solidFill>
@@ -21229,7 +21219,7 @@
                 <a:latin typeface="Segoe UI"/>
               </a:rPr>
               <a:pPr/>
-              <a:t>6/29/16</a:t>
+              <a:t>7/7/16</a:t>
             </a:fld>
             <a:endParaRPr lang="en-US">
               <a:solidFill>
@@ -21573,7 +21563,7 @@
                 <a:latin typeface="Segoe UI"/>
               </a:rPr>
               <a:pPr/>
-              <a:t>6/29/16</a:t>
+              <a:t>7/7/16</a:t>
             </a:fld>
             <a:endParaRPr lang="en-US">
               <a:solidFill>
@@ -21948,7 +21938,7 @@
                 <a:latin typeface="Segoe UI"/>
               </a:rPr>
               <a:pPr/>
-              <a:t>6/29/16</a:t>
+              <a:t>7/7/16</a:t>
             </a:fld>
             <a:endParaRPr lang="en-US">
               <a:solidFill>
@@ -22892,7 +22882,7 @@
                 <a:latin typeface="Segoe UI"/>
               </a:rPr>
               <a:pPr/>
-              <a:t>6/29/16</a:t>
+              <a:t>7/7/16</a:t>
             </a:fld>
             <a:endParaRPr lang="en-US">
               <a:solidFill>
@@ -23293,7 +23283,7 @@
                 <a:latin typeface="Segoe UI"/>
               </a:rPr>
               <a:pPr/>
-              <a:t>6/29/16</a:t>
+              <a:t>7/7/16</a:t>
             </a:fld>
             <a:endParaRPr lang="en-US">
               <a:solidFill>
@@ -23447,7 +23437,7 @@
                 <a:latin typeface="Segoe UI"/>
               </a:rPr>
               <a:pPr/>
-              <a:t>6/29/16</a:t>
+              <a:t>7/7/16</a:t>
             </a:fld>
             <a:endParaRPr lang="en-US">
               <a:solidFill>
@@ -23579,7 +23569,7 @@
                 <a:latin typeface="Segoe UI"/>
               </a:rPr>
               <a:pPr/>
-              <a:t>6/29/16</a:t>
+              <a:t>7/7/16</a:t>
             </a:fld>
             <a:endParaRPr lang="en-US">
               <a:solidFill>
@@ -24454,7 +24444,7 @@
                 <a:latin typeface="Segoe UI"/>
               </a:rPr>
               <a:pPr/>
-              <a:t>6/29/16</a:t>
+              <a:t>7/7/16</a:t>
             </a:fld>
             <a:endParaRPr lang="en-US">
               <a:solidFill>
@@ -24743,7 +24733,7 @@
                 <a:latin typeface="Segoe UI"/>
               </a:rPr>
               <a:pPr/>
-              <a:t>6/29/16</a:t>
+              <a:t>7/7/16</a:t>
             </a:fld>
             <a:endParaRPr lang="en-US">
               <a:solidFill>
@@ -24948,7 +24938,7 @@
                 <a:latin typeface="Segoe UI"/>
               </a:rPr>
               <a:pPr/>
-              <a:t>6/29/16</a:t>
+              <a:t>7/7/16</a:t>
             </a:fld>
             <a:endParaRPr lang="en-US">
               <a:solidFill>
@@ -25163,7 +25153,7 @@
                 <a:latin typeface="Segoe UI"/>
               </a:rPr>
               <a:pPr/>
-              <a:t>6/29/16</a:t>
+              <a:t>7/7/16</a:t>
             </a:fld>
             <a:endParaRPr lang="en-US">
               <a:solidFill>
@@ -26848,7 +26838,7 @@
                 <a:latin typeface="Segoe UI"/>
               </a:rPr>
               <a:pPr/>
-              <a:t>6/29/16</a:t>
+              <a:t>7/7/16</a:t>
             </a:fld>
             <a:endParaRPr lang="en-US">
               <a:solidFill>
@@ -27428,7 +27418,7 @@
                 <a:latin typeface="Segoe UI"/>
               </a:rPr>
               <a:pPr/>
-              <a:t>6/29/16</a:t>
+              <a:t>7/7/16</a:t>
             </a:fld>
             <a:endParaRPr lang="en-US">
               <a:solidFill>
@@ -31373,7 +31363,7 @@
           <a:graphicData uri="http://schemas.openxmlformats.org/presentationml/2006/ole">
             <mc:AlternateContent xmlns:mc="http://schemas.openxmlformats.org/markup-compatibility/2006">
               <mc:Choice xmlns:v="urn:schemas-microsoft-com:vml" Requires="v">
-                <p:oleObj spid="_x0000_s8214" name="Equation" r:id="rId4" imgW="1215720" imgH="283320" progId="Equation.3">
+                <p:oleObj spid="_x0000_s8216" name="Equation" r:id="rId4" imgW="1215720" imgH="283320" progId="Equation.3">
                   <p:embed/>
                 </p:oleObj>
               </mc:Choice>
@@ -31853,7 +31843,7 @@
           <a:graphicData uri="http://schemas.openxmlformats.org/presentationml/2006/ole">
             <mc:AlternateContent xmlns:mc="http://schemas.openxmlformats.org/markup-compatibility/2006">
               <mc:Choice xmlns:v="urn:schemas-microsoft-com:vml" Requires="v">
-                <p:oleObj spid="_x0000_s7194" name="Equation" r:id="rId4" imgW="1133640" imgH="200880" progId="Equation.3">
+                <p:oleObj spid="_x0000_s7196" name="Equation" r:id="rId4" imgW="1133640" imgH="200880" progId="Equation.3">
                   <p:embed/>
                 </p:oleObj>
               </mc:Choice>
@@ -34492,14 +34482,14 @@
                 <a:gridCol w="4388664">
                   <a:extLst>
                     <a:ext uri="{9D8B030D-6E8A-4147-A177-3AD203B41FA5}">
-                      <a16:colId xmlns:a16="http://schemas.microsoft.com/office/drawing/2014/main" xmlns="" val="48614039"/>
+                      <a16:colId xmlns="" xmlns:a16="http://schemas.microsoft.com/office/drawing/2014/main" val="48614039"/>
                     </a:ext>
                   </a:extLst>
                 </a:gridCol>
                 <a:gridCol w="4388664">
                   <a:extLst>
                     <a:ext uri="{9D8B030D-6E8A-4147-A177-3AD203B41FA5}">
-                      <a16:colId xmlns:a16="http://schemas.microsoft.com/office/drawing/2014/main" xmlns="" val="1124546490"/>
+                      <a16:colId xmlns="" xmlns:a16="http://schemas.microsoft.com/office/drawing/2014/main" val="1124546490"/>
                     </a:ext>
                   </a:extLst>
                 </a:gridCol>
@@ -34588,7 +34578,7 @@
                 </a:tc>
                 <a:extLst>
                   <a:ext uri="{0D108BD9-81ED-4DB2-BD59-A6C34878D82A}">
-                    <a16:rowId xmlns:a16="http://schemas.microsoft.com/office/drawing/2014/main" xmlns="" val="679667022"/>
+                    <a16:rowId xmlns="" xmlns:a16="http://schemas.microsoft.com/office/drawing/2014/main" val="679667022"/>
                   </a:ext>
                 </a:extLst>
               </a:tr>
@@ -34640,7 +34630,7 @@
                 </a:tc>
                 <a:extLst>
                   <a:ext uri="{0D108BD9-81ED-4DB2-BD59-A6C34878D82A}">
-                    <a16:rowId xmlns:a16="http://schemas.microsoft.com/office/drawing/2014/main" xmlns="" val="2034482246"/>
+                    <a16:rowId xmlns="" xmlns:a16="http://schemas.microsoft.com/office/drawing/2014/main" val="2034482246"/>
                   </a:ext>
                 </a:extLst>
               </a:tr>
@@ -34692,7 +34682,7 @@
                 </a:tc>
                 <a:extLst>
                   <a:ext uri="{0D108BD9-81ED-4DB2-BD59-A6C34878D82A}">
-                    <a16:rowId xmlns:a16="http://schemas.microsoft.com/office/drawing/2014/main" xmlns="" val="682465758"/>
+                    <a16:rowId xmlns="" xmlns:a16="http://schemas.microsoft.com/office/drawing/2014/main" val="682465758"/>
                   </a:ext>
                 </a:extLst>
               </a:tr>
@@ -34744,7 +34734,7 @@
                 </a:tc>
                 <a:extLst>
                   <a:ext uri="{0D108BD9-81ED-4DB2-BD59-A6C34878D82A}">
-                    <a16:rowId xmlns:a16="http://schemas.microsoft.com/office/drawing/2014/main" xmlns="" val="4230228483"/>
+                    <a16:rowId xmlns="" xmlns:a16="http://schemas.microsoft.com/office/drawing/2014/main" val="4230228483"/>
                   </a:ext>
                 </a:extLst>
               </a:tr>
@@ -34796,7 +34786,7 @@
                 </a:tc>
                 <a:extLst>
                   <a:ext uri="{0D108BD9-81ED-4DB2-BD59-A6C34878D82A}">
-                    <a16:rowId xmlns:a16="http://schemas.microsoft.com/office/drawing/2014/main" xmlns="" val="3329658239"/>
+                    <a16:rowId xmlns="" xmlns:a16="http://schemas.microsoft.com/office/drawing/2014/main" val="3329658239"/>
                   </a:ext>
                 </a:extLst>
               </a:tr>
@@ -34851,7 +34841,7 @@
                 </a:tc>
                 <a:extLst>
                   <a:ext uri="{0D108BD9-81ED-4DB2-BD59-A6C34878D82A}">
-                    <a16:rowId xmlns:a16="http://schemas.microsoft.com/office/drawing/2014/main" xmlns="" val="10005"/>
+                    <a16:rowId xmlns="" xmlns:a16="http://schemas.microsoft.com/office/drawing/2014/main" val="10005"/>
                   </a:ext>
                 </a:extLst>
               </a:tr>
@@ -34903,7 +34893,7 @@
                 </a:tc>
                 <a:extLst>
                   <a:ext uri="{0D108BD9-81ED-4DB2-BD59-A6C34878D82A}">
-                    <a16:rowId xmlns:a16="http://schemas.microsoft.com/office/drawing/2014/main" xmlns="" val="10006"/>
+                    <a16:rowId xmlns="" xmlns:a16="http://schemas.microsoft.com/office/drawing/2014/main" val="10006"/>
                   </a:ext>
                 </a:extLst>
               </a:tr>
@@ -35377,14 +35367,14 @@
                 <a:gridCol w="4388664">
                   <a:extLst>
                     <a:ext uri="{9D8B030D-6E8A-4147-A177-3AD203B41FA5}">
-                      <a16:colId xmlns:a16="http://schemas.microsoft.com/office/drawing/2014/main" xmlns="" val="48614039"/>
+                      <a16:colId xmlns="" xmlns:a16="http://schemas.microsoft.com/office/drawing/2014/main" val="48614039"/>
                     </a:ext>
                   </a:extLst>
                 </a:gridCol>
                 <a:gridCol w="4388664">
                   <a:extLst>
                     <a:ext uri="{9D8B030D-6E8A-4147-A177-3AD203B41FA5}">
-                      <a16:colId xmlns:a16="http://schemas.microsoft.com/office/drawing/2014/main" xmlns="" val="1124546490"/>
+                      <a16:colId xmlns="" xmlns:a16="http://schemas.microsoft.com/office/drawing/2014/main" val="1124546490"/>
                     </a:ext>
                   </a:extLst>
                 </a:gridCol>
@@ -35473,7 +35463,7 @@
                 </a:tc>
                 <a:extLst>
                   <a:ext uri="{0D108BD9-81ED-4DB2-BD59-A6C34878D82A}">
-                    <a16:rowId xmlns:a16="http://schemas.microsoft.com/office/drawing/2014/main" xmlns="" val="679667022"/>
+                    <a16:rowId xmlns="" xmlns:a16="http://schemas.microsoft.com/office/drawing/2014/main" val="679667022"/>
                   </a:ext>
                 </a:extLst>
               </a:tr>
@@ -35525,7 +35515,7 @@
                 </a:tc>
                 <a:extLst>
                   <a:ext uri="{0D108BD9-81ED-4DB2-BD59-A6C34878D82A}">
-                    <a16:rowId xmlns:a16="http://schemas.microsoft.com/office/drawing/2014/main" xmlns="" val="2034482246"/>
+                    <a16:rowId xmlns="" xmlns:a16="http://schemas.microsoft.com/office/drawing/2014/main" val="2034482246"/>
                   </a:ext>
                 </a:extLst>
               </a:tr>
@@ -35577,7 +35567,7 @@
                 </a:tc>
                 <a:extLst>
                   <a:ext uri="{0D108BD9-81ED-4DB2-BD59-A6C34878D82A}">
-                    <a16:rowId xmlns:a16="http://schemas.microsoft.com/office/drawing/2014/main" xmlns="" val="682465758"/>
+                    <a16:rowId xmlns="" xmlns:a16="http://schemas.microsoft.com/office/drawing/2014/main" val="682465758"/>
                   </a:ext>
                 </a:extLst>
               </a:tr>
@@ -35629,7 +35619,7 @@
                 </a:tc>
                 <a:extLst>
                   <a:ext uri="{0D108BD9-81ED-4DB2-BD59-A6C34878D82A}">
-                    <a16:rowId xmlns:a16="http://schemas.microsoft.com/office/drawing/2014/main" xmlns="" val="4230228483"/>
+                    <a16:rowId xmlns="" xmlns:a16="http://schemas.microsoft.com/office/drawing/2014/main" val="4230228483"/>
                   </a:ext>
                 </a:extLst>
               </a:tr>
@@ -35681,7 +35671,7 @@
                 </a:tc>
                 <a:extLst>
                   <a:ext uri="{0D108BD9-81ED-4DB2-BD59-A6C34878D82A}">
-                    <a16:rowId xmlns:a16="http://schemas.microsoft.com/office/drawing/2014/main" xmlns="" val="3329658239"/>
+                    <a16:rowId xmlns="" xmlns:a16="http://schemas.microsoft.com/office/drawing/2014/main" val="3329658239"/>
                   </a:ext>
                 </a:extLst>
               </a:tr>
@@ -35736,7 +35726,7 @@
                 </a:tc>
                 <a:extLst>
                   <a:ext uri="{0D108BD9-81ED-4DB2-BD59-A6C34878D82A}">
-                    <a16:rowId xmlns:a16="http://schemas.microsoft.com/office/drawing/2014/main" xmlns="" val="10005"/>
+                    <a16:rowId xmlns="" xmlns:a16="http://schemas.microsoft.com/office/drawing/2014/main" val="10005"/>
                   </a:ext>
                 </a:extLst>
               </a:tr>
@@ -35788,7 +35778,7 @@
                 </a:tc>
                 <a:extLst>
                   <a:ext uri="{0D108BD9-81ED-4DB2-BD59-A6C34878D82A}">
-                    <a16:rowId xmlns:a16="http://schemas.microsoft.com/office/drawing/2014/main" xmlns="" val="10006"/>
+                    <a16:rowId xmlns="" xmlns:a16="http://schemas.microsoft.com/office/drawing/2014/main" val="10006"/>
                   </a:ext>
                 </a:extLst>
               </a:tr>
@@ -37006,7 +36996,7 @@
                   <a:t>A Classification algorithm tries to arrive at a function </a:t>
                 </a:r>
                 <a14:m>
-                  <m:oMath xmlns:m="http://schemas.openxmlformats.org/officeDocument/2006/math" xmlns="">
+                  <m:oMath xmlns="" xmlns:m="http://schemas.openxmlformats.org/officeDocument/2006/math">
                     <m:r>
                       <a:rPr lang="en-US" i="1">
                         <a:latin typeface="Cambria Math" panose="02040503050406030204" pitchFamily="18" charset="0"/>
@@ -37366,7 +37356,7 @@
           <a:graphicData uri="http://schemas.openxmlformats.org/presentationml/2006/ole">
             <mc:AlternateContent xmlns:mc="http://schemas.openxmlformats.org/markup-compatibility/2006">
               <mc:Choice xmlns:v="urn:schemas-microsoft-com:vml" Requires="v">
-                <p:oleObj spid="_x0000_s10254" name="Equation" r:id="rId5" imgW="3733800" imgH="457200" progId="Equation.3">
+                <p:oleObj spid="_x0000_s10256" name="Equation" r:id="rId5" imgW="3733800" imgH="457200" progId="Equation.3">
                   <p:embed/>
                 </p:oleObj>
               </mc:Choice>
@@ -37832,7 +37822,7 @@
           <a:graphicData uri="http://schemas.openxmlformats.org/presentationml/2006/ole">
             <mc:AlternateContent xmlns:mc="http://schemas.openxmlformats.org/markup-compatibility/2006">
               <mc:Choice xmlns:v="urn:schemas-microsoft-com:vml" Requires="v">
-                <p:oleObj spid="_x0000_s12328" name="Equation" r:id="rId4" imgW="774700" imgH="215900" progId="Equation.3">
+                <p:oleObj spid="_x0000_s12333" name="Equation" r:id="rId4" imgW="774700" imgH="215900" progId="Equation.3">
                   <p:embed/>
                 </p:oleObj>
               </mc:Choice>
@@ -37889,7 +37879,7 @@
           <a:graphicData uri="http://schemas.openxmlformats.org/presentationml/2006/ole">
             <mc:AlternateContent xmlns:mc="http://schemas.openxmlformats.org/markup-compatibility/2006">
               <mc:Choice xmlns:v="urn:schemas-microsoft-com:vml" Requires="v">
-                <p:oleObj spid="_x0000_s12329" name="Equation" r:id="rId6" imgW="469900" imgH="215900" progId="Equation.3">
+                <p:oleObj spid="_x0000_s12334" name="Equation" r:id="rId6" imgW="469900" imgH="215900" progId="Equation.3">
                   <p:embed/>
                 </p:oleObj>
               </mc:Choice>
@@ -37960,7 +37950,7 @@
             <a:graphicData uri="http://schemas.openxmlformats.org/presentationml/2006/ole">
               <mc:AlternateContent xmlns:mc="http://schemas.openxmlformats.org/markup-compatibility/2006">
                 <mc:Choice xmlns:v="urn:schemas-microsoft-com:vml" Requires="v">
-                  <p:oleObj spid="_x0000_s12330" name="Equation" r:id="rId8" imgW="1168400" imgH="457200" progId="Equation.3">
+                  <p:oleObj spid="_x0000_s12335" name="Equation" r:id="rId8" imgW="1168400" imgH="457200" progId="Equation.3">
                     <p:embed/>
                   </p:oleObj>
                 </mc:Choice>
@@ -38017,7 +38007,7 @@
             <a:graphicData uri="http://schemas.openxmlformats.org/presentationml/2006/ole">
               <mc:AlternateContent xmlns:mc="http://schemas.openxmlformats.org/markup-compatibility/2006">
                 <mc:Choice xmlns:v="urn:schemas-microsoft-com:vml" Requires="v">
-                  <p:oleObj spid="_x0000_s12331" name="Equation" r:id="rId10" imgW="3733800" imgH="457200" progId="Equation.3">
+                  <p:oleObj spid="_x0000_s12336" name="Equation" r:id="rId10" imgW="3733800" imgH="457200" progId="Equation.3">
                     <p:embed/>
                   </p:oleObj>
                 </mc:Choice>
@@ -38784,7 +38774,7 @@
           <a:graphicData uri="http://schemas.openxmlformats.org/presentationml/2006/ole">
             <mc:AlternateContent xmlns:mc="http://schemas.openxmlformats.org/markup-compatibility/2006">
               <mc:Choice xmlns:v="urn:schemas-microsoft-com:vml" Requires="v">
-                <p:oleObj spid="_x0000_s11327" name="Equation" r:id="rId4" imgW="3771900" imgH="457200" progId="Equation.3">
+                <p:oleObj spid="_x0000_s11334" name="Equation" r:id="rId4" imgW="3771900" imgH="457200" progId="Equation.3">
                   <p:embed/>
                 </p:oleObj>
               </mc:Choice>
@@ -38841,7 +38831,7 @@
           <a:graphicData uri="http://schemas.openxmlformats.org/presentationml/2006/ole">
             <mc:AlternateContent xmlns:mc="http://schemas.openxmlformats.org/markup-compatibility/2006">
               <mc:Choice xmlns:v="urn:schemas-microsoft-com:vml" Requires="v">
-                <p:oleObj spid="_x0000_s11328" name="Equation" r:id="rId6" imgW="1168400" imgH="457200" progId="Equation.3">
+                <p:oleObj spid="_x0000_s11335" name="Equation" r:id="rId6" imgW="1168400" imgH="457200" progId="Equation.3">
                   <p:embed/>
                 </p:oleObj>
               </mc:Choice>
@@ -38898,7 +38888,7 @@
           <a:graphicData uri="http://schemas.openxmlformats.org/presentationml/2006/ole">
             <mc:AlternateContent xmlns:mc="http://schemas.openxmlformats.org/markup-compatibility/2006">
               <mc:Choice xmlns:v="urn:schemas-microsoft-com:vml" Requires="v">
-                <p:oleObj spid="_x0000_s11329" name="Equation" r:id="rId8" imgW="1193800" imgH="457200" progId="Equation.3">
+                <p:oleObj spid="_x0000_s11336" name="Equation" r:id="rId8" imgW="1193800" imgH="457200" progId="Equation.3">
                   <p:embed/>
                 </p:oleObj>
               </mc:Choice>
@@ -38955,7 +38945,7 @@
           <a:graphicData uri="http://schemas.openxmlformats.org/presentationml/2006/ole">
             <mc:AlternateContent xmlns:mc="http://schemas.openxmlformats.org/markup-compatibility/2006">
               <mc:Choice xmlns:v="urn:schemas-microsoft-com:vml" Requires="v">
-                <p:oleObj spid="_x0000_s11330" name="Equation" r:id="rId10" imgW="800100" imgH="215900" progId="Equation.3">
+                <p:oleObj spid="_x0000_s11337" name="Equation" r:id="rId10" imgW="800100" imgH="215900" progId="Equation.3">
                   <p:embed/>
                 </p:oleObj>
               </mc:Choice>
@@ -39012,7 +39002,7 @@
           <a:graphicData uri="http://schemas.openxmlformats.org/presentationml/2006/ole">
             <mc:AlternateContent xmlns:mc="http://schemas.openxmlformats.org/markup-compatibility/2006">
               <mc:Choice xmlns:v="urn:schemas-microsoft-com:vml" Requires="v">
-                <p:oleObj spid="_x0000_s11331" name="Equation" r:id="rId12" imgW="774700" imgH="215900" progId="Equation.3">
+                <p:oleObj spid="_x0000_s11338" name="Equation" r:id="rId12" imgW="774700" imgH="215900" progId="Equation.3">
                   <p:embed/>
                 </p:oleObj>
               </mc:Choice>
@@ -39069,7 +39059,7 @@
           <a:graphicData uri="http://schemas.openxmlformats.org/presentationml/2006/ole">
             <mc:AlternateContent xmlns:mc="http://schemas.openxmlformats.org/markup-compatibility/2006">
               <mc:Choice xmlns:v="urn:schemas-microsoft-com:vml" Requires="v">
-                <p:oleObj spid="_x0000_s11332" name="Equation" r:id="rId14" imgW="469900" imgH="215900" progId="Equation.3">
+                <p:oleObj spid="_x0000_s11339" name="Equation" r:id="rId14" imgW="469900" imgH="215900" progId="Equation.3">
                   <p:embed/>
                 </p:oleObj>
               </mc:Choice>
@@ -39451,7 +39441,7 @@
           <a:graphicData uri="http://schemas.openxmlformats.org/presentationml/2006/ole">
             <mc:AlternateContent xmlns:mc="http://schemas.openxmlformats.org/markup-compatibility/2006">
               <mc:Choice xmlns:v="urn:schemas-microsoft-com:vml" Requires="v">
-                <p:oleObj spid="_x0000_s13332" name="Equation" r:id="rId4" imgW="3365500" imgH="457200" progId="Equation.3">
+                <p:oleObj spid="_x0000_s13335" name="Equation" r:id="rId4" imgW="3365500" imgH="457200" progId="Equation.3">
                   <p:embed/>
                 </p:oleObj>
               </mc:Choice>
@@ -39508,7 +39498,7 @@
           <a:graphicData uri="http://schemas.openxmlformats.org/presentationml/2006/ole">
             <mc:AlternateContent xmlns:mc="http://schemas.openxmlformats.org/markup-compatibility/2006">
               <mc:Choice xmlns:v="urn:schemas-microsoft-com:vml" Requires="v">
-                <p:oleObj spid="_x0000_s13333" name="Equation" r:id="rId6" imgW="2933700" imgH="457200" progId="Equation.3">
+                <p:oleObj spid="_x0000_s13336" name="Equation" r:id="rId6" imgW="2933700" imgH="457200" progId="Equation.3">
                   <p:embed/>
                 </p:oleObj>
               </mc:Choice>
@@ -42074,7 +42064,7 @@
           <a:graphicData uri="http://schemas.openxmlformats.org/presentationml/2006/ole">
             <mc:AlternateContent xmlns:mc="http://schemas.openxmlformats.org/markup-compatibility/2006">
               <mc:Choice xmlns:v="urn:schemas-microsoft-com:vml" Requires="v">
-                <p:oleObj spid="_x0000_s15398" name="Equation" r:id="rId4" imgW="4241800" imgH="431800" progId="Equation.3">
+                <p:oleObj spid="_x0000_s15406" name="Equation" r:id="rId4" imgW="4241800" imgH="431800" progId="Equation.3">
                   <p:embed/>
                 </p:oleObj>
               </mc:Choice>
@@ -42137,21 +42127,21 @@
                 <a:gridCol w="3307807">
                   <a:extLst>
                     <a:ext uri="{9D8B030D-6E8A-4147-A177-3AD203B41FA5}">
-                      <a16:colId xmlns:a16="http://schemas.microsoft.com/office/drawing/2014/main" xmlns="" val="20000"/>
+                      <a16:colId xmlns="" xmlns:a16="http://schemas.microsoft.com/office/drawing/2014/main" val="20000"/>
                     </a:ext>
                   </a:extLst>
                 </a:gridCol>
                 <a:gridCol w="3307807">
                   <a:extLst>
                     <a:ext uri="{9D8B030D-6E8A-4147-A177-3AD203B41FA5}">
-                      <a16:colId xmlns:a16="http://schemas.microsoft.com/office/drawing/2014/main" xmlns="" val="20001"/>
+                      <a16:colId xmlns="" xmlns:a16="http://schemas.microsoft.com/office/drawing/2014/main" val="20001"/>
                     </a:ext>
                   </a:extLst>
                 </a:gridCol>
                 <a:gridCol w="3307807">
                   <a:extLst>
                     <a:ext uri="{9D8B030D-6E8A-4147-A177-3AD203B41FA5}">
-                      <a16:colId xmlns:a16="http://schemas.microsoft.com/office/drawing/2014/main" xmlns="" val="20002"/>
+                      <a16:colId xmlns="" xmlns:a16="http://schemas.microsoft.com/office/drawing/2014/main" val="20002"/>
                     </a:ext>
                   </a:extLst>
                 </a:gridCol>
@@ -42207,7 +42197,7 @@
                 </a:tc>
                 <a:extLst>
                   <a:ext uri="{0D108BD9-81ED-4DB2-BD59-A6C34878D82A}">
-                    <a16:rowId xmlns:a16="http://schemas.microsoft.com/office/drawing/2014/main" xmlns="" val="10000"/>
+                    <a16:rowId xmlns="" xmlns:a16="http://schemas.microsoft.com/office/drawing/2014/main" val="10000"/>
                   </a:ext>
                 </a:extLst>
               </a:tr>
@@ -42264,7 +42254,7 @@
                 </a:tc>
                 <a:extLst>
                   <a:ext uri="{0D108BD9-81ED-4DB2-BD59-A6C34878D82A}">
-                    <a16:rowId xmlns:a16="http://schemas.microsoft.com/office/drawing/2014/main" xmlns="" val="10001"/>
+                    <a16:rowId xmlns="" xmlns:a16="http://schemas.microsoft.com/office/drawing/2014/main" val="10001"/>
                   </a:ext>
                 </a:extLst>
               </a:tr>
@@ -42321,7 +42311,7 @@
                 </a:tc>
                 <a:extLst>
                   <a:ext uri="{0D108BD9-81ED-4DB2-BD59-A6C34878D82A}">
-                    <a16:rowId xmlns:a16="http://schemas.microsoft.com/office/drawing/2014/main" xmlns="" val="10002"/>
+                    <a16:rowId xmlns="" xmlns:a16="http://schemas.microsoft.com/office/drawing/2014/main" val="10002"/>
                   </a:ext>
                 </a:extLst>
               </a:tr>
@@ -42378,7 +42368,7 @@
                 </a:tc>
                 <a:extLst>
                   <a:ext uri="{0D108BD9-81ED-4DB2-BD59-A6C34878D82A}">
-                    <a16:rowId xmlns:a16="http://schemas.microsoft.com/office/drawing/2014/main" xmlns="" val="10003"/>
+                    <a16:rowId xmlns="" xmlns:a16="http://schemas.microsoft.com/office/drawing/2014/main" val="10003"/>
                   </a:ext>
                 </a:extLst>
               </a:tr>
@@ -42408,7 +42398,7 @@
           <a:graphicData uri="http://schemas.openxmlformats.org/presentationml/2006/ole">
             <mc:AlternateContent xmlns:mc="http://schemas.openxmlformats.org/markup-compatibility/2006">
               <mc:Choice xmlns:v="urn:schemas-microsoft-com:vml" Requires="v">
-                <p:oleObj spid="_x0000_s15399" name="Equation" r:id="rId6" imgW="863600" imgH="393700" progId="Equation.3">
+                <p:oleObj spid="_x0000_s15407" name="Equation" r:id="rId6" imgW="863600" imgH="393700" progId="Equation.3">
                   <p:embed/>
                 </p:oleObj>
               </mc:Choice>
@@ -42465,7 +42455,7 @@
           <a:graphicData uri="http://schemas.openxmlformats.org/presentationml/2006/ole">
             <mc:AlternateContent xmlns:mc="http://schemas.openxmlformats.org/markup-compatibility/2006">
               <mc:Choice xmlns:v="urn:schemas-microsoft-com:vml" Requires="v">
-                <p:oleObj spid="_x0000_s15400" name="Equation" r:id="rId8" imgW="482600" imgH="393700" progId="Equation.3">
+                <p:oleObj spid="_x0000_s15408" name="Equation" r:id="rId8" imgW="482600" imgH="393700" progId="Equation.3">
                   <p:embed/>
                 </p:oleObj>
               </mc:Choice>
@@ -42522,7 +42512,7 @@
           <a:graphicData uri="http://schemas.openxmlformats.org/presentationml/2006/ole">
             <mc:AlternateContent xmlns:mc="http://schemas.openxmlformats.org/markup-compatibility/2006">
               <mc:Choice xmlns:v="urn:schemas-microsoft-com:vml" Requires="v">
-                <p:oleObj spid="_x0000_s15401" name="Equation" r:id="rId10" imgW="787400" imgH="393700" progId="Equation.3">
+                <p:oleObj spid="_x0000_s15409" name="Equation" r:id="rId10" imgW="787400" imgH="393700" progId="Equation.3">
                   <p:embed/>
                 </p:oleObj>
               </mc:Choice>
@@ -42579,7 +42569,7 @@
           <a:graphicData uri="http://schemas.openxmlformats.org/presentationml/2006/ole">
             <mc:AlternateContent xmlns:mc="http://schemas.openxmlformats.org/markup-compatibility/2006">
               <mc:Choice xmlns:v="urn:schemas-microsoft-com:vml" Requires="v">
-                <p:oleObj spid="_x0000_s15402" name="Equation" r:id="rId12" imgW="825500" imgH="558800" progId="Equation.3">
+                <p:oleObj spid="_x0000_s15410" name="Equation" r:id="rId12" imgW="825500" imgH="558800" progId="Equation.3">
                   <p:embed/>
                 </p:oleObj>
               </mc:Choice>
@@ -42636,7 +42626,7 @@
           <a:graphicData uri="http://schemas.openxmlformats.org/presentationml/2006/ole">
             <mc:AlternateContent xmlns:mc="http://schemas.openxmlformats.org/markup-compatibility/2006">
               <mc:Choice xmlns:v="urn:schemas-microsoft-com:vml" Requires="v">
-                <p:oleObj spid="_x0000_s15403" name="Equation" r:id="rId14" imgW="660400" imgH="546100" progId="Equation.3">
+                <p:oleObj spid="_x0000_s15411" name="Equation" r:id="rId14" imgW="660400" imgH="546100" progId="Equation.3">
                   <p:embed/>
                 </p:oleObj>
               </mc:Choice>
@@ -42693,7 +42683,7 @@
           <a:graphicData uri="http://schemas.openxmlformats.org/presentationml/2006/ole">
             <mc:AlternateContent xmlns:mc="http://schemas.openxmlformats.org/markup-compatibility/2006">
               <mc:Choice xmlns:v="urn:schemas-microsoft-com:vml" Requires="v">
-                <p:oleObj spid="_x0000_s15404" name="Equation" r:id="rId16" imgW="1270000" imgH="558800" progId="Equation.3">
+                <p:oleObj spid="_x0000_s15412" name="Equation" r:id="rId16" imgW="1270000" imgH="558800" progId="Equation.3">
                   <p:embed/>
                 </p:oleObj>
               </mc:Choice>
@@ -43142,7 +43132,7 @@
             <a:graphicData uri="http://schemas.openxmlformats.org/presentationml/2006/ole">
               <mc:AlternateContent xmlns:mc="http://schemas.openxmlformats.org/markup-compatibility/2006">
                 <mc:Choice xmlns:v="urn:schemas-microsoft-com:vml" Requires="v">
-                  <p:oleObj spid="_x0000_s16389" name="Equation" r:id="rId4" imgW="1308100" imgH="431800" progId="Equation.3">
+                  <p:oleObj spid="_x0000_s16391" name="Equation" r:id="rId4" imgW="1308100" imgH="431800" progId="Equation.3">
                     <p:embed/>
                   </p:oleObj>
                 </mc:Choice>
@@ -44258,7 +44248,7 @@
           <a:graphicData uri="http://schemas.openxmlformats.org/presentationml/2006/ole">
             <mc:AlternateContent xmlns:mc="http://schemas.openxmlformats.org/markup-compatibility/2006">
               <mc:Choice xmlns:v="urn:schemas-microsoft-com:vml" Requires="v">
-                <p:oleObj spid="_x0000_s17416" name="Equation" r:id="rId5" imgW="596900" imgH="457200" progId="Equation.3">
+                <p:oleObj spid="_x0000_s17419" name="Equation" r:id="rId5" imgW="596900" imgH="457200" progId="Equation.3">
                   <p:embed/>
                 </p:oleObj>
               </mc:Choice>
@@ -44315,7 +44305,7 @@
           <a:graphicData uri="http://schemas.openxmlformats.org/presentationml/2006/ole">
             <mc:AlternateContent xmlns:mc="http://schemas.openxmlformats.org/markup-compatibility/2006">
               <mc:Choice xmlns:v="urn:schemas-microsoft-com:vml" Requires="v">
-                <p:oleObj spid="_x0000_s17417" name="Equation" r:id="rId7" imgW="1003300" imgH="241300" progId="Equation.3">
+                <p:oleObj spid="_x0000_s17420" name="Equation" r:id="rId7" imgW="1003300" imgH="241300" progId="Equation.3">
                   <p:embed/>
                 </p:oleObj>
               </mc:Choice>
@@ -44674,7 +44664,7 @@
                     <a:t>Inverse Logit function allows us to convert to probability of </a:t>
                   </a:r>
                   <a14:m>
-                    <m:oMath xmlns:m="http://schemas.openxmlformats.org/officeDocument/2006/math" xmlns="">
+                    <m:oMath xmlns="" xmlns:m="http://schemas.openxmlformats.org/officeDocument/2006/math">
                       <m:r>
                         <a:rPr lang="en-US" i="1" dirty="0" smtClean="0">
                           <a:latin typeface="Cambria Math" panose="02040503050406030204" pitchFamily="18" charset="0"/>
@@ -49996,7 +49986,7 @@
               <a:graphicData uri="http://schemas.openxmlformats.org/presentationml/2006/ole">
                 <mc:AlternateContent xmlns:mc="http://schemas.openxmlformats.org/markup-compatibility/2006">
                   <mc:Choice xmlns:v="urn:schemas-microsoft-com:vml" Requires="v">
-                    <p:oleObj spid="_x0000_s1082" name="Equation" r:id="rId4" imgW="4102100" imgH="368300" progId="Equation.3">
+                    <p:oleObj spid="_x0000_s1085" name="Equation" r:id="rId4" imgW="4102100" imgH="368300" progId="Equation.3">
                       <p:embed/>
                     </p:oleObj>
                   </mc:Choice>
@@ -50097,7 +50087,7 @@
           <a:graphicData uri="http://schemas.openxmlformats.org/presentationml/2006/ole">
             <mc:AlternateContent xmlns:mc="http://schemas.openxmlformats.org/markup-compatibility/2006">
               <mc:Choice xmlns:v="urn:schemas-microsoft-com:vml" Requires="v">
-                <p:oleObj spid="_x0000_s1083" name="Equation" r:id="rId6" imgW="1215720" imgH="283320" progId="Equation.3">
+                <p:oleObj spid="_x0000_s1086" name="Equation" r:id="rId6" imgW="1215720" imgH="283320" progId="Equation.3">
                   <p:embed/>
                 </p:oleObj>
               </mc:Choice>
@@ -50620,7 +50610,7 @@
           <a:graphicData uri="http://schemas.openxmlformats.org/presentationml/2006/ole">
             <mc:AlternateContent xmlns:mc="http://schemas.openxmlformats.org/markup-compatibility/2006">
               <mc:Choice xmlns:v="urn:schemas-microsoft-com:vml" Requires="v">
-                <p:oleObj spid="_x0000_s2134" name="Equation" r:id="rId4" imgW="1234080" imgH="237600" progId="Equation.3">
+                <p:oleObj spid="_x0000_s2138" name="Equation" r:id="rId4" imgW="1234080" imgH="237600" progId="Equation.3">
                   <p:embed/>
                 </p:oleObj>
               </mc:Choice>
@@ -50696,7 +50686,7 @@
           <a:graphicData uri="http://schemas.openxmlformats.org/presentationml/2006/ole">
             <mc:AlternateContent xmlns:mc="http://schemas.openxmlformats.org/markup-compatibility/2006">
               <mc:Choice xmlns:v="urn:schemas-microsoft-com:vml" Requires="v">
-                <p:oleObj spid="_x0000_s2135" name="Equation" r:id="rId6" imgW="1508400" imgH="283320" progId="Equation.3">
+                <p:oleObj spid="_x0000_s2139" name="Equation" r:id="rId6" imgW="1508400" imgH="283320" progId="Equation.3">
                   <p:embed/>
                 </p:oleObj>
               </mc:Choice>
@@ -50772,7 +50762,7 @@
           <a:graphicData uri="http://schemas.openxmlformats.org/presentationml/2006/ole">
             <mc:AlternateContent xmlns:mc="http://schemas.openxmlformats.org/markup-compatibility/2006">
               <mc:Choice xmlns:v="urn:schemas-microsoft-com:vml" Requires="v">
-                <p:oleObj spid="_x0000_s2136" name="Equation" r:id="rId8" imgW="1462680" imgH="228240" progId="Equation.3">
+                <p:oleObj spid="_x0000_s2140" name="Equation" r:id="rId8" imgW="1462680" imgH="228240" progId="Equation.3">
                   <p:embed/>
                 </p:oleObj>
               </mc:Choice>
@@ -50878,7 +50868,7 @@
                   <a:t>Possible </a:t>
                 </a:r>
                 <a14:m>
-                  <m:oMath xmlns:m="http://schemas.openxmlformats.org/officeDocument/2006/math" xmlns="">
+                  <m:oMath xmlns="" xmlns:m="http://schemas.openxmlformats.org/officeDocument/2006/math">
                     <m:acc>
                       <m:accPr>
                         <m:chr m:val="⃑"/>
@@ -51139,7 +51129,7 @@
               <a:lstStyle/>
               <a:p>
                 <a14:m>
-                  <m:oMathPara xmlns:m="http://schemas.openxmlformats.org/officeDocument/2006/math" xmlns="">
+                  <m:oMathPara xmlns="" xmlns:m="http://schemas.openxmlformats.org/officeDocument/2006/math">
                     <m:oMathParaPr>
                       <m:jc m:val="centerGroup"/>
                     </m:oMathParaPr>
@@ -51222,7 +51212,7 @@
               <a:lstStyle/>
               <a:p>
                 <a14:m>
-                  <m:oMathPara xmlns:m="http://schemas.openxmlformats.org/officeDocument/2006/math" xmlns="">
+                  <m:oMathPara xmlns="" xmlns:m="http://schemas.openxmlformats.org/officeDocument/2006/math">
                     <m:oMathParaPr>
                       <m:jc m:val="centerGroup"/>
                     </m:oMathParaPr>
@@ -51305,7 +51295,7 @@
               <a:lstStyle/>
               <a:p>
                 <a14:m>
-                  <m:oMathPara xmlns:m="http://schemas.openxmlformats.org/officeDocument/2006/math" xmlns="">
+                  <m:oMathPara xmlns="" xmlns:m="http://schemas.openxmlformats.org/officeDocument/2006/math">
                     <m:oMathParaPr>
                       <m:jc m:val="centerGroup"/>
                     </m:oMathParaPr>
@@ -51388,7 +51378,7 @@
               <a:lstStyle/>
               <a:p>
                 <a14:m>
-                  <m:oMathPara xmlns:m="http://schemas.openxmlformats.org/officeDocument/2006/math" xmlns="">
+                  <m:oMathPara xmlns="" xmlns:m="http://schemas.openxmlformats.org/officeDocument/2006/math">
                     <m:oMathParaPr>
                       <m:jc m:val="centerGroup"/>
                     </m:oMathParaPr>
@@ -51555,7 +51545,7 @@
           <a:graphicData uri="http://schemas.openxmlformats.org/presentationml/2006/ole">
             <mc:AlternateContent xmlns:mc="http://schemas.openxmlformats.org/markup-compatibility/2006">
               <mc:Choice xmlns:v="urn:schemas-microsoft-com:vml" Requires="v">
-                <p:oleObj spid="_x0000_s3105" name="Equation" r:id="rId9" imgW="1215720" imgH="283320" progId="Equation.3">
+                <p:oleObj spid="_x0000_s3107" name="Equation" r:id="rId9" imgW="1215720" imgH="283320" progId="Equation.3">
                   <p:embed/>
                 </p:oleObj>
               </mc:Choice>
@@ -51661,7 +51651,7 @@
                   <a:t>Possible </a:t>
                 </a:r>
                 <a14:m>
-                  <m:oMath xmlns:m="http://schemas.openxmlformats.org/officeDocument/2006/math" xmlns="">
+                  <m:oMath xmlns="" xmlns:m="http://schemas.openxmlformats.org/officeDocument/2006/math">
                     <m:acc>
                       <m:accPr>
                         <m:chr m:val="⃑"/>
@@ -51803,7 +51793,7 @@
               <a:lstStyle/>
               <a:p>
                 <a14:m>
-                  <m:oMathPara xmlns:m="http://schemas.openxmlformats.org/officeDocument/2006/math" xmlns="">
+                  <m:oMathPara xmlns="" xmlns:m="http://schemas.openxmlformats.org/officeDocument/2006/math">
                     <m:oMathParaPr>
                       <m:jc m:val="centerGroup"/>
                     </m:oMathParaPr>
@@ -51886,7 +51876,7 @@
               <a:lstStyle/>
               <a:p>
                 <a14:m>
-                  <m:oMathPara xmlns:m="http://schemas.openxmlformats.org/officeDocument/2006/math" xmlns="">
+                  <m:oMathPara xmlns="" xmlns:m="http://schemas.openxmlformats.org/officeDocument/2006/math">
                     <m:oMathParaPr>
                       <m:jc m:val="centerGroup"/>
                     </m:oMathParaPr>
@@ -51969,7 +51959,7 @@
               <a:lstStyle/>
               <a:p>
                 <a14:m>
-                  <m:oMathPara xmlns:m="http://schemas.openxmlformats.org/officeDocument/2006/math" xmlns="">
+                  <m:oMathPara xmlns="" xmlns:m="http://schemas.openxmlformats.org/officeDocument/2006/math">
                     <m:oMathParaPr>
                       <m:jc m:val="centerGroup"/>
                     </m:oMathParaPr>
@@ -52221,7 +52211,7 @@
           <a:graphicData uri="http://schemas.openxmlformats.org/presentationml/2006/ole">
             <mc:AlternateContent xmlns:mc="http://schemas.openxmlformats.org/markup-compatibility/2006">
               <mc:Choice xmlns:v="urn:schemas-microsoft-com:vml" Requires="v">
-                <p:oleObj spid="_x0000_s4128" name="Equation" r:id="rId8" imgW="1142640" imgH="228240" progId="Equation.3">
+                <p:oleObj spid="_x0000_s4130" name="Equation" r:id="rId8" imgW="1142640" imgH="228240" progId="Equation.3">
                   <p:embed/>
                 </p:oleObj>
               </mc:Choice>
@@ -52385,7 +52375,7 @@
               <a:lstStyle/>
               <a:p>
                 <a14:m>
-                  <m:oMathPara xmlns:m="http://schemas.openxmlformats.org/officeDocument/2006/math" xmlns="">
+                  <m:oMathPara xmlns="" xmlns:m="http://schemas.openxmlformats.org/officeDocument/2006/math">
                     <m:oMathParaPr>
                       <m:jc m:val="centerGroup"/>
                     </m:oMathParaPr>
@@ -52687,7 +52677,7 @@
           <a:graphicData uri="http://schemas.openxmlformats.org/presentationml/2006/ole">
             <mc:AlternateContent xmlns:mc="http://schemas.openxmlformats.org/markup-compatibility/2006">
               <mc:Choice xmlns:v="urn:schemas-microsoft-com:vml" Requires="v">
-                <p:oleObj spid="_x0000_s5153" name="Equation" r:id="rId5" imgW="1473200" imgH="215900" progId="Equation.3">
+                <p:oleObj spid="_x0000_s5155" name="Equation" r:id="rId5" imgW="1473200" imgH="215900" progId="Equation.3">
                   <p:embed/>
                 </p:oleObj>
               </mc:Choice>
@@ -52824,14 +52814,14 @@
                 <a:gridCol w="4615317">
                   <a:extLst>
                     <a:ext uri="{9D8B030D-6E8A-4147-A177-3AD203B41FA5}">
-                      <a16:colId xmlns:a16="http://schemas.microsoft.com/office/drawing/2014/main" xmlns="" val="3648269138"/>
+                      <a16:colId xmlns="" xmlns:a16="http://schemas.microsoft.com/office/drawing/2014/main" val="3648269138"/>
                     </a:ext>
                   </a:extLst>
                 </a:gridCol>
                 <a:gridCol w="5794099">
                   <a:extLst>
                     <a:ext uri="{9D8B030D-6E8A-4147-A177-3AD203B41FA5}">
-                      <a16:colId xmlns:a16="http://schemas.microsoft.com/office/drawing/2014/main" xmlns="" val="738741370"/>
+                      <a16:colId xmlns="" xmlns:a16="http://schemas.microsoft.com/office/drawing/2014/main" val="738741370"/>
                     </a:ext>
                   </a:extLst>
                 </a:gridCol>
@@ -52894,7 +52884,7 @@
                 </a:tc>
                 <a:extLst>
                   <a:ext uri="{0D108BD9-81ED-4DB2-BD59-A6C34878D82A}">
-                    <a16:rowId xmlns:a16="http://schemas.microsoft.com/office/drawing/2014/main" xmlns="" val="447806695"/>
+                    <a16:rowId xmlns="" xmlns:a16="http://schemas.microsoft.com/office/drawing/2014/main" val="447806695"/>
                   </a:ext>
                 </a:extLst>
               </a:tr>
@@ -52943,7 +52933,7 @@
                 </a:tc>
                 <a:extLst>
                   <a:ext uri="{0D108BD9-81ED-4DB2-BD59-A6C34878D82A}">
-                    <a16:rowId xmlns:a16="http://schemas.microsoft.com/office/drawing/2014/main" xmlns="" val="2867611792"/>
+                    <a16:rowId xmlns="" xmlns:a16="http://schemas.microsoft.com/office/drawing/2014/main" val="2867611792"/>
                   </a:ext>
                 </a:extLst>
               </a:tr>
@@ -52981,7 +52971,7 @@
                 </a:tc>
                 <a:extLst>
                   <a:ext uri="{0D108BD9-81ED-4DB2-BD59-A6C34878D82A}">
-                    <a16:rowId xmlns:a16="http://schemas.microsoft.com/office/drawing/2014/main" xmlns="" val="3086991623"/>
+                    <a16:rowId xmlns="" xmlns:a16="http://schemas.microsoft.com/office/drawing/2014/main" val="3086991623"/>
                   </a:ext>
                 </a:extLst>
               </a:tr>
@@ -53019,7 +53009,7 @@
                 </a:tc>
                 <a:extLst>
                   <a:ext uri="{0D108BD9-81ED-4DB2-BD59-A6C34878D82A}">
-                    <a16:rowId xmlns:a16="http://schemas.microsoft.com/office/drawing/2014/main" xmlns="" val="2378181149"/>
+                    <a16:rowId xmlns="" xmlns:a16="http://schemas.microsoft.com/office/drawing/2014/main" val="2378181149"/>
                   </a:ext>
                 </a:extLst>
               </a:tr>
@@ -53057,7 +53047,7 @@
                 </a:tc>
                 <a:extLst>
                   <a:ext uri="{0D108BD9-81ED-4DB2-BD59-A6C34878D82A}">
-                    <a16:rowId xmlns:a16="http://schemas.microsoft.com/office/drawing/2014/main" xmlns="" val="3197898723"/>
+                    <a16:rowId xmlns="" xmlns:a16="http://schemas.microsoft.com/office/drawing/2014/main" val="3197898723"/>
                   </a:ext>
                 </a:extLst>
               </a:tr>
@@ -53087,7 +53077,7 @@
           <a:graphicData uri="http://schemas.openxmlformats.org/presentationml/2006/ole">
             <mc:AlternateContent xmlns:mc="http://schemas.openxmlformats.org/markup-compatibility/2006">
               <mc:Choice xmlns:v="urn:schemas-microsoft-com:vml" Requires="v">
-                <p:oleObj spid="_x0000_s6215" name="Equation" r:id="rId4" imgW="264960" imgH="228240" progId="Equation.3">
+                <p:oleObj spid="_x0000_s6219" name="Equation" r:id="rId4" imgW="264960" imgH="228240" progId="Equation.3">
                   <p:embed/>
                 </p:oleObj>
               </mc:Choice>
@@ -53163,7 +53153,7 @@
           <a:graphicData uri="http://schemas.openxmlformats.org/presentationml/2006/ole">
             <mc:AlternateContent xmlns:mc="http://schemas.openxmlformats.org/markup-compatibility/2006">
               <mc:Choice xmlns:v="urn:schemas-microsoft-com:vml" Requires="v">
-                <p:oleObj spid="_x0000_s6216" name="Equation" r:id="rId6" imgW="411120" imgH="383760" progId="Equation.3">
+                <p:oleObj spid="_x0000_s6220" name="Equation" r:id="rId6" imgW="411120" imgH="383760" progId="Equation.3">
                   <p:embed/>
                 </p:oleObj>
               </mc:Choice>
@@ -53239,7 +53229,7 @@
           <a:graphicData uri="http://schemas.openxmlformats.org/presentationml/2006/ole">
             <mc:AlternateContent xmlns:mc="http://schemas.openxmlformats.org/markup-compatibility/2006">
               <mc:Choice xmlns:v="urn:schemas-microsoft-com:vml" Requires="v">
-                <p:oleObj spid="_x0000_s6217" name="Equation" r:id="rId8" imgW="1279800" imgH="383760" progId="Equation.3">
+                <p:oleObj spid="_x0000_s6221" name="Equation" r:id="rId8" imgW="1279800" imgH="383760" progId="Equation.3">
                   <p:embed/>
                 </p:oleObj>
               </mc:Choice>
@@ -53633,7 +53623,7 @@
   <a:extraClrSchemeLst/>
   <a:extLst>
     <a:ext uri="{05A4C25C-085E-4340-85A3-A5531E510DB2}">
-      <thm15:themeFamily xmlns:thm15="http://schemas.microsoft.com/office/thememl/2012/main" xmlns="" name="Azure4ResearchTemplate" id="{DD1C6CE8-BDBA-0D4F-9930-3643ABC8EF0E}" vid="{B5C66FD7-0952-994B-96D6-AB3BB89097FE}"/>
+      <thm15:themeFamily xmlns="" xmlns:thm15="http://schemas.microsoft.com/office/thememl/2012/main" name="Azure4ResearchTemplate" id="{DD1C6CE8-BDBA-0D4F-9930-3643ABC8EF0E}" vid="{B5C66FD7-0952-994B-96D6-AB3BB89097FE}"/>
     </a:ext>
   </a:extLst>
 </a:theme>
@@ -53902,7 +53892,7 @@
   <a:extraClrSchemeLst/>
   <a:extLst>
     <a:ext uri="{05A4C25C-085E-4340-85A3-A5531E510DB2}">
-      <thm15:themeFamily xmlns:thm15="http://schemas.microsoft.com/office/thememl/2012/main" xmlns="" name="Office Theme" id="{62F939B6-93AF-4DB8-9C6B-D6C7DFDC589F}" vid="{4A3C46E8-61CC-4603-A589-7422A47A8E4A}"/>
+      <thm15:themeFamily xmlns="" xmlns:thm15="http://schemas.microsoft.com/office/thememl/2012/main" name="Office Theme" id="{62F939B6-93AF-4DB8-9C6B-D6C7DFDC589F}" vid="{4A3C46E8-61CC-4603-A589-7422A47A8E4A}"/>
     </a:ext>
   </a:extLst>
 </a:theme>
@@ -54171,7 +54161,7 @@
   <a:extraClrSchemeLst/>
   <a:extLst>
     <a:ext uri="{05A4C25C-085E-4340-85A3-A5531E510DB2}">
-      <thm15:themeFamily xmlns:thm15="http://schemas.microsoft.com/office/thememl/2012/main" xmlns="" name="Office Theme" id="{62F939B6-93AF-4DB8-9C6B-D6C7DFDC589F}" vid="{4A3C46E8-61CC-4603-A589-7422A47A8E4A}"/>
+      <thm15:themeFamily xmlns="" xmlns:thm15="http://schemas.microsoft.com/office/thememl/2012/main" name="Office Theme" id="{62F939B6-93AF-4DB8-9C6B-D6C7DFDC589F}" vid="{4A3C46E8-61CC-4603-A589-7422A47A8E4A}"/>
     </a:ext>
   </a:extLst>
 </a:theme>
@@ -54432,7 +54422,7 @@
   <a:extraClrSchemeLst/>
   <a:extLst>
     <a:ext uri="{05A4C25C-085E-4340-85A3-A5531E510DB2}">
-      <thm15:themeFamily xmlns:thm15="http://schemas.microsoft.com/office/thememl/2012/main" xmlns="" name="Office Theme" id="{62F939B6-93AF-4DB8-9C6B-D6C7DFDC589F}" vid="{4A3C46E8-61CC-4603-A589-7422A47A8E4A}"/>
+      <thm15:themeFamily xmlns="" xmlns:thm15="http://schemas.microsoft.com/office/thememl/2012/main" name="Office Theme" id="{62F939B6-93AF-4DB8-9C6B-D6C7DFDC589F}" vid="{4A3C46E8-61CC-4603-A589-7422A47A8E4A}"/>
     </a:ext>
   </a:extLst>
 </a:theme>
@@ -54727,7 +54717,7 @@
   <a:extraClrSchemeLst/>
   <a:extLst>
     <a:ext uri="{05A4C25C-085E-4340-85A3-A5531E510DB2}">
-      <thm15:themeFamily xmlns:thm15="http://schemas.microsoft.com/office/thememl/2012/main" xmlns="" name="Office Theme" id="{62F939B6-93AF-4DB8-9C6B-D6C7DFDC589F}" vid="{4A3C46E8-61CC-4603-A589-7422A47A8E4A}"/>
+      <thm15:themeFamily xmlns="" xmlns:thm15="http://schemas.microsoft.com/office/thememl/2012/main" name="Office Theme" id="{62F939B6-93AF-4DB8-9C6B-D6C7DFDC589F}" vid="{4A3C46E8-61CC-4603-A589-7422A47A8E4A}"/>
     </a:ext>
   </a:extLst>
 </a:theme>

--- a/Complimentary Course Content/Module5/Lessons/Module5_Lesson7 Regression and Classification.pptx
+++ b/Complimentary Course Content/Module5/Lessons/Module5_Lesson7 Regression and Classification.pptx
@@ -199,7 +199,7 @@
       </p14:sectionLst>
     </p:ext>
     <p:ext uri="{EFAFB233-063F-42B5-8137-9DF3F51BA10A}">
-      <p15:sldGuideLst xmlns="" xmlns:p15="http://schemas.microsoft.com/office/powerpoint/2012/main">
+      <p15:sldGuideLst xmlns:p15="http://schemas.microsoft.com/office/powerpoint/2012/main" xmlns="">
         <p15:guide id="1" orient="horz" pos="2160">
           <p15:clr>
             <a:srgbClr val="A4A3A4"/>
@@ -213,7 +213,7 @@
       </p15:sldGuideLst>
     </p:ext>
     <p:ext uri="{2D200454-40CA-4A62-9FC3-DE9A4176ACB9}">
-      <p15:notesGuideLst xmlns="" xmlns:p15="http://schemas.microsoft.com/office/powerpoint/2012/main"/>
+      <p15:notesGuideLst xmlns:p15="http://schemas.microsoft.com/office/powerpoint/2012/main" xmlns=""/>
     </p:ext>
   </p:extLst>
 </p:presentation>
@@ -309,7 +309,7 @@
             <a:fld id="{30A74B2F-3EEF-410A-B738-5B66A46A3256}" type="datetimeFigureOut">
               <a:rPr lang="en-US" smtClean="0"/>
               <a:pPr/>
-              <a:t>7/7/16</a:t>
+              <a:t>7/13/16</a:t>
             </a:fld>
             <a:endParaRPr lang="en-US"/>
           </a:p>
@@ -476,7 +476,7 @@
             <a:fld id="{2E5CA586-3557-4985-BCD4-35EF5AC8B4A4}" type="datetimeFigureOut">
               <a:rPr lang="en-US" smtClean="0"/>
               <a:pPr/>
-              <a:t>7/7/16</a:t>
+              <a:t>7/13/16</a:t>
             </a:fld>
             <a:endParaRPr lang="en-US"/>
           </a:p>
@@ -6549,14 +6549,10 @@
               <a:t>computerscience</a:t>
             </a:r>
             <a:r>
-              <a:rPr lang="en-US" altLang="ko-KR" dirty="0" smtClean="0"/>
-              <a:t>/tree/master/Instructor-Led/Module5</a:t>
-            </a:r>
-            <a:r>
               <a:rPr lang="en-US" altLang="ko-KR" smtClean="0"/>
-              <a:t>/Labs</a:t>
-            </a:r>
-            <a:endParaRPr lang="ko-KR" altLang="en-US" dirty="0" smtClean="0"/>
+              <a:t>/tree/master/Complimentary%20Course%20Content/Module5/Labs</a:t>
+            </a:r>
+            <a:endParaRPr lang="ko-KR" altLang="en-US" dirty="0"/>
           </a:p>
         </p:txBody>
       </p:sp>
@@ -15775,7 +15771,7 @@
                 <a:latin typeface="Segoe UI"/>
               </a:rPr>
               <a:pPr/>
-              <a:t>7/7/16</a:t>
+              <a:t>7/13/16</a:t>
             </a:fld>
             <a:endParaRPr lang="en-US">
               <a:solidFill>
@@ -15980,7 +15976,7 @@
                 <a:latin typeface="Segoe UI"/>
               </a:rPr>
               <a:pPr/>
-              <a:t>7/7/16</a:t>
+              <a:t>7/13/16</a:t>
             </a:fld>
             <a:endParaRPr lang="en-US">
               <a:solidFill>
@@ -16278,7 +16274,7 @@
                 <a:latin typeface="Segoe UI"/>
               </a:rPr>
               <a:pPr/>
-              <a:t>7/7/16</a:t>
+              <a:t>7/13/16</a:t>
             </a:fld>
             <a:endParaRPr lang="en-US">
               <a:solidFill>
@@ -16622,7 +16618,7 @@
                 <a:latin typeface="Segoe UI"/>
               </a:rPr>
               <a:pPr/>
-              <a:t>7/7/16</a:t>
+              <a:t>7/13/16</a:t>
             </a:fld>
             <a:endParaRPr lang="en-US">
               <a:solidFill>
@@ -16997,7 +16993,7 @@
                 <a:latin typeface="Segoe UI"/>
               </a:rPr>
               <a:pPr/>
-              <a:t>7/7/16</a:t>
+              <a:t>7/13/16</a:t>
             </a:fld>
             <a:endParaRPr lang="en-US">
               <a:solidFill>
@@ -18308,7 +18304,7 @@
                 <a:latin typeface="Segoe UI"/>
               </a:rPr>
               <a:pPr/>
-              <a:t>7/7/16</a:t>
+              <a:t>7/13/16</a:t>
             </a:fld>
             <a:endParaRPr lang="en-US">
               <a:solidFill>
@@ -18709,7 +18705,7 @@
                 <a:latin typeface="Segoe UI"/>
               </a:rPr>
               <a:pPr/>
-              <a:t>7/7/16</a:t>
+              <a:t>7/13/16</a:t>
             </a:fld>
             <a:endParaRPr lang="en-US">
               <a:solidFill>
@@ -18863,7 +18859,7 @@
                 <a:latin typeface="Segoe UI"/>
               </a:rPr>
               <a:pPr/>
-              <a:t>7/7/16</a:t>
+              <a:t>7/13/16</a:t>
             </a:fld>
             <a:endParaRPr lang="en-US">
               <a:solidFill>
@@ -18995,7 +18991,7 @@
                 <a:latin typeface="Segoe UI"/>
               </a:rPr>
               <a:pPr/>
-              <a:t>7/7/16</a:t>
+              <a:t>7/13/16</a:t>
             </a:fld>
             <a:endParaRPr lang="en-US">
               <a:solidFill>
@@ -19307,7 +19303,7 @@
                 <a:latin typeface="Segoe UI"/>
               </a:rPr>
               <a:pPr/>
-              <a:t>7/7/16</a:t>
+              <a:t>7/13/16</a:t>
             </a:fld>
             <a:endParaRPr lang="en-US">
               <a:solidFill>
@@ -19596,7 +19592,7 @@
                 <a:latin typeface="Segoe UI"/>
               </a:rPr>
               <a:pPr/>
-              <a:t>7/7/16</a:t>
+              <a:t>7/13/16</a:t>
             </a:fld>
             <a:endParaRPr lang="en-US">
               <a:solidFill>
@@ -19801,7 +19797,7 @@
                 <a:latin typeface="Segoe UI"/>
               </a:rPr>
               <a:pPr/>
-              <a:t>7/7/16</a:t>
+              <a:t>7/13/16</a:t>
             </a:fld>
             <a:endParaRPr lang="en-US">
               <a:solidFill>
@@ -20016,7 +20012,7 @@
                 <a:latin typeface="Segoe UI"/>
               </a:rPr>
               <a:pPr/>
-              <a:t>7/7/16</a:t>
+              <a:t>7/13/16</a:t>
             </a:fld>
             <a:endParaRPr lang="en-US">
               <a:solidFill>
@@ -20259,7 +20255,7 @@
                 <a:latin typeface="Segoe UI"/>
               </a:rPr>
               <a:pPr/>
-              <a:t>7/7/16</a:t>
+              <a:t>7/13/16</a:t>
             </a:fld>
             <a:endParaRPr lang="en-US">
               <a:solidFill>
@@ -20464,7 +20460,7 @@
                 <a:latin typeface="Segoe UI"/>
               </a:rPr>
               <a:pPr/>
-              <a:t>7/7/16</a:t>
+              <a:t>7/13/16</a:t>
             </a:fld>
             <a:endParaRPr lang="en-US">
               <a:solidFill>
@@ -21219,7 +21215,7 @@
                 <a:latin typeface="Segoe UI"/>
               </a:rPr>
               <a:pPr/>
-              <a:t>7/7/16</a:t>
+              <a:t>7/13/16</a:t>
             </a:fld>
             <a:endParaRPr lang="en-US">
               <a:solidFill>
@@ -21563,7 +21559,7 @@
                 <a:latin typeface="Segoe UI"/>
               </a:rPr>
               <a:pPr/>
-              <a:t>7/7/16</a:t>
+              <a:t>7/13/16</a:t>
             </a:fld>
             <a:endParaRPr lang="en-US">
               <a:solidFill>
@@ -21938,7 +21934,7 @@
                 <a:latin typeface="Segoe UI"/>
               </a:rPr>
               <a:pPr/>
-              <a:t>7/7/16</a:t>
+              <a:t>7/13/16</a:t>
             </a:fld>
             <a:endParaRPr lang="en-US">
               <a:solidFill>
@@ -22882,7 +22878,7 @@
                 <a:latin typeface="Segoe UI"/>
               </a:rPr>
               <a:pPr/>
-              <a:t>7/7/16</a:t>
+              <a:t>7/13/16</a:t>
             </a:fld>
             <a:endParaRPr lang="en-US">
               <a:solidFill>
@@ -23283,7 +23279,7 @@
                 <a:latin typeface="Segoe UI"/>
               </a:rPr>
               <a:pPr/>
-              <a:t>7/7/16</a:t>
+              <a:t>7/13/16</a:t>
             </a:fld>
             <a:endParaRPr lang="en-US">
               <a:solidFill>
@@ -23437,7 +23433,7 @@
                 <a:latin typeface="Segoe UI"/>
               </a:rPr>
               <a:pPr/>
-              <a:t>7/7/16</a:t>
+              <a:t>7/13/16</a:t>
             </a:fld>
             <a:endParaRPr lang="en-US">
               <a:solidFill>
@@ -23569,7 +23565,7 @@
                 <a:latin typeface="Segoe UI"/>
               </a:rPr>
               <a:pPr/>
-              <a:t>7/7/16</a:t>
+              <a:t>7/13/16</a:t>
             </a:fld>
             <a:endParaRPr lang="en-US">
               <a:solidFill>
@@ -24444,7 +24440,7 @@
                 <a:latin typeface="Segoe UI"/>
               </a:rPr>
               <a:pPr/>
-              <a:t>7/7/16</a:t>
+              <a:t>7/13/16</a:t>
             </a:fld>
             <a:endParaRPr lang="en-US">
               <a:solidFill>
@@ -24733,7 +24729,7 @@
                 <a:latin typeface="Segoe UI"/>
               </a:rPr>
               <a:pPr/>
-              <a:t>7/7/16</a:t>
+              <a:t>7/13/16</a:t>
             </a:fld>
             <a:endParaRPr lang="en-US">
               <a:solidFill>
@@ -24938,7 +24934,7 @@
                 <a:latin typeface="Segoe UI"/>
               </a:rPr>
               <a:pPr/>
-              <a:t>7/7/16</a:t>
+              <a:t>7/13/16</a:t>
             </a:fld>
             <a:endParaRPr lang="en-US">
               <a:solidFill>
@@ -25153,7 +25149,7 @@
                 <a:latin typeface="Segoe UI"/>
               </a:rPr>
               <a:pPr/>
-              <a:t>7/7/16</a:t>
+              <a:t>7/13/16</a:t>
             </a:fld>
             <a:endParaRPr lang="en-US">
               <a:solidFill>
@@ -26838,7 +26834,7 @@
                 <a:latin typeface="Segoe UI"/>
               </a:rPr>
               <a:pPr/>
-              <a:t>7/7/16</a:t>
+              <a:t>7/13/16</a:t>
             </a:fld>
             <a:endParaRPr lang="en-US">
               <a:solidFill>
@@ -27418,7 +27414,7 @@
                 <a:latin typeface="Segoe UI"/>
               </a:rPr>
               <a:pPr/>
-              <a:t>7/7/16</a:t>
+              <a:t>7/13/16</a:t>
             </a:fld>
             <a:endParaRPr lang="en-US">
               <a:solidFill>
@@ -31363,7 +31359,7 @@
           <a:graphicData uri="http://schemas.openxmlformats.org/presentationml/2006/ole">
             <mc:AlternateContent xmlns:mc="http://schemas.openxmlformats.org/markup-compatibility/2006">
               <mc:Choice xmlns:v="urn:schemas-microsoft-com:vml" Requires="v">
-                <p:oleObj spid="_x0000_s8216" name="Equation" r:id="rId4" imgW="1215720" imgH="283320" progId="Equation.3">
+                <p:oleObj spid="_x0000_s8218" name="Equation" r:id="rId4" imgW="1215720" imgH="283320" progId="Equation.3">
                   <p:embed/>
                 </p:oleObj>
               </mc:Choice>
@@ -31843,7 +31839,7 @@
           <a:graphicData uri="http://schemas.openxmlformats.org/presentationml/2006/ole">
             <mc:AlternateContent xmlns:mc="http://schemas.openxmlformats.org/markup-compatibility/2006">
               <mc:Choice xmlns:v="urn:schemas-microsoft-com:vml" Requires="v">
-                <p:oleObj spid="_x0000_s7196" name="Equation" r:id="rId4" imgW="1133640" imgH="200880" progId="Equation.3">
+                <p:oleObj spid="_x0000_s7198" name="Equation" r:id="rId4" imgW="1133640" imgH="200880" progId="Equation.3">
                   <p:embed/>
                 </p:oleObj>
               </mc:Choice>
@@ -34482,14 +34478,14 @@
                 <a:gridCol w="4388664">
                   <a:extLst>
                     <a:ext uri="{9D8B030D-6E8A-4147-A177-3AD203B41FA5}">
-                      <a16:colId xmlns="" xmlns:a16="http://schemas.microsoft.com/office/drawing/2014/main" val="48614039"/>
+                      <a16:colId xmlns:a16="http://schemas.microsoft.com/office/drawing/2014/main" xmlns="" val="48614039"/>
                     </a:ext>
                   </a:extLst>
                 </a:gridCol>
                 <a:gridCol w="4388664">
                   <a:extLst>
                     <a:ext uri="{9D8B030D-6E8A-4147-A177-3AD203B41FA5}">
-                      <a16:colId xmlns="" xmlns:a16="http://schemas.microsoft.com/office/drawing/2014/main" val="1124546490"/>
+                      <a16:colId xmlns:a16="http://schemas.microsoft.com/office/drawing/2014/main" xmlns="" val="1124546490"/>
                     </a:ext>
                   </a:extLst>
                 </a:gridCol>
@@ -34578,7 +34574,7 @@
                 </a:tc>
                 <a:extLst>
                   <a:ext uri="{0D108BD9-81ED-4DB2-BD59-A6C34878D82A}">
-                    <a16:rowId xmlns="" xmlns:a16="http://schemas.microsoft.com/office/drawing/2014/main" val="679667022"/>
+                    <a16:rowId xmlns:a16="http://schemas.microsoft.com/office/drawing/2014/main" xmlns="" val="679667022"/>
                   </a:ext>
                 </a:extLst>
               </a:tr>
@@ -34630,7 +34626,7 @@
                 </a:tc>
                 <a:extLst>
                   <a:ext uri="{0D108BD9-81ED-4DB2-BD59-A6C34878D82A}">
-                    <a16:rowId xmlns="" xmlns:a16="http://schemas.microsoft.com/office/drawing/2014/main" val="2034482246"/>
+                    <a16:rowId xmlns:a16="http://schemas.microsoft.com/office/drawing/2014/main" xmlns="" val="2034482246"/>
                   </a:ext>
                 </a:extLst>
               </a:tr>
@@ -34682,7 +34678,7 @@
                 </a:tc>
                 <a:extLst>
                   <a:ext uri="{0D108BD9-81ED-4DB2-BD59-A6C34878D82A}">
-                    <a16:rowId xmlns="" xmlns:a16="http://schemas.microsoft.com/office/drawing/2014/main" val="682465758"/>
+                    <a16:rowId xmlns:a16="http://schemas.microsoft.com/office/drawing/2014/main" xmlns="" val="682465758"/>
                   </a:ext>
                 </a:extLst>
               </a:tr>
@@ -34734,7 +34730,7 @@
                 </a:tc>
                 <a:extLst>
                   <a:ext uri="{0D108BD9-81ED-4DB2-BD59-A6C34878D82A}">
-                    <a16:rowId xmlns="" xmlns:a16="http://schemas.microsoft.com/office/drawing/2014/main" val="4230228483"/>
+                    <a16:rowId xmlns:a16="http://schemas.microsoft.com/office/drawing/2014/main" xmlns="" val="4230228483"/>
                   </a:ext>
                 </a:extLst>
               </a:tr>
@@ -34786,7 +34782,7 @@
                 </a:tc>
                 <a:extLst>
                   <a:ext uri="{0D108BD9-81ED-4DB2-BD59-A6C34878D82A}">
-                    <a16:rowId xmlns="" xmlns:a16="http://schemas.microsoft.com/office/drawing/2014/main" val="3329658239"/>
+                    <a16:rowId xmlns:a16="http://schemas.microsoft.com/office/drawing/2014/main" xmlns="" val="3329658239"/>
                   </a:ext>
                 </a:extLst>
               </a:tr>
@@ -34841,7 +34837,7 @@
                 </a:tc>
                 <a:extLst>
                   <a:ext uri="{0D108BD9-81ED-4DB2-BD59-A6C34878D82A}">
-                    <a16:rowId xmlns="" xmlns:a16="http://schemas.microsoft.com/office/drawing/2014/main" val="10005"/>
+                    <a16:rowId xmlns:a16="http://schemas.microsoft.com/office/drawing/2014/main" xmlns="" val="10005"/>
                   </a:ext>
                 </a:extLst>
               </a:tr>
@@ -34893,7 +34889,7 @@
                 </a:tc>
                 <a:extLst>
                   <a:ext uri="{0D108BD9-81ED-4DB2-BD59-A6C34878D82A}">
-                    <a16:rowId xmlns="" xmlns:a16="http://schemas.microsoft.com/office/drawing/2014/main" val="10006"/>
+                    <a16:rowId xmlns:a16="http://schemas.microsoft.com/office/drawing/2014/main" xmlns="" val="10006"/>
                   </a:ext>
                 </a:extLst>
               </a:tr>
@@ -35367,14 +35363,14 @@
                 <a:gridCol w="4388664">
                   <a:extLst>
                     <a:ext uri="{9D8B030D-6E8A-4147-A177-3AD203B41FA5}">
-                      <a16:colId xmlns="" xmlns:a16="http://schemas.microsoft.com/office/drawing/2014/main" val="48614039"/>
+                      <a16:colId xmlns:a16="http://schemas.microsoft.com/office/drawing/2014/main" xmlns="" val="48614039"/>
                     </a:ext>
                   </a:extLst>
                 </a:gridCol>
                 <a:gridCol w="4388664">
                   <a:extLst>
                     <a:ext uri="{9D8B030D-6E8A-4147-A177-3AD203B41FA5}">
-                      <a16:colId xmlns="" xmlns:a16="http://schemas.microsoft.com/office/drawing/2014/main" val="1124546490"/>
+                      <a16:colId xmlns:a16="http://schemas.microsoft.com/office/drawing/2014/main" xmlns="" val="1124546490"/>
                     </a:ext>
                   </a:extLst>
                 </a:gridCol>
@@ -35463,7 +35459,7 @@
                 </a:tc>
                 <a:extLst>
                   <a:ext uri="{0D108BD9-81ED-4DB2-BD59-A6C34878D82A}">
-                    <a16:rowId xmlns="" xmlns:a16="http://schemas.microsoft.com/office/drawing/2014/main" val="679667022"/>
+                    <a16:rowId xmlns:a16="http://schemas.microsoft.com/office/drawing/2014/main" xmlns="" val="679667022"/>
                   </a:ext>
                 </a:extLst>
               </a:tr>
@@ -35515,7 +35511,7 @@
                 </a:tc>
                 <a:extLst>
                   <a:ext uri="{0D108BD9-81ED-4DB2-BD59-A6C34878D82A}">
-                    <a16:rowId xmlns="" xmlns:a16="http://schemas.microsoft.com/office/drawing/2014/main" val="2034482246"/>
+                    <a16:rowId xmlns:a16="http://schemas.microsoft.com/office/drawing/2014/main" xmlns="" val="2034482246"/>
                   </a:ext>
                 </a:extLst>
               </a:tr>
@@ -35567,7 +35563,7 @@
                 </a:tc>
                 <a:extLst>
                   <a:ext uri="{0D108BD9-81ED-4DB2-BD59-A6C34878D82A}">
-                    <a16:rowId xmlns="" xmlns:a16="http://schemas.microsoft.com/office/drawing/2014/main" val="682465758"/>
+                    <a16:rowId xmlns:a16="http://schemas.microsoft.com/office/drawing/2014/main" xmlns="" val="682465758"/>
                   </a:ext>
                 </a:extLst>
               </a:tr>
@@ -35619,7 +35615,7 @@
                 </a:tc>
                 <a:extLst>
                   <a:ext uri="{0D108BD9-81ED-4DB2-BD59-A6C34878D82A}">
-                    <a16:rowId xmlns="" xmlns:a16="http://schemas.microsoft.com/office/drawing/2014/main" val="4230228483"/>
+                    <a16:rowId xmlns:a16="http://schemas.microsoft.com/office/drawing/2014/main" xmlns="" val="4230228483"/>
                   </a:ext>
                 </a:extLst>
               </a:tr>
@@ -35671,7 +35667,7 @@
                 </a:tc>
                 <a:extLst>
                   <a:ext uri="{0D108BD9-81ED-4DB2-BD59-A6C34878D82A}">
-                    <a16:rowId xmlns="" xmlns:a16="http://schemas.microsoft.com/office/drawing/2014/main" val="3329658239"/>
+                    <a16:rowId xmlns:a16="http://schemas.microsoft.com/office/drawing/2014/main" xmlns="" val="3329658239"/>
                   </a:ext>
                 </a:extLst>
               </a:tr>
@@ -35726,7 +35722,7 @@
                 </a:tc>
                 <a:extLst>
                   <a:ext uri="{0D108BD9-81ED-4DB2-BD59-A6C34878D82A}">
-                    <a16:rowId xmlns="" xmlns:a16="http://schemas.microsoft.com/office/drawing/2014/main" val="10005"/>
+                    <a16:rowId xmlns:a16="http://schemas.microsoft.com/office/drawing/2014/main" xmlns="" val="10005"/>
                   </a:ext>
                 </a:extLst>
               </a:tr>
@@ -35778,7 +35774,7 @@
                 </a:tc>
                 <a:extLst>
                   <a:ext uri="{0D108BD9-81ED-4DB2-BD59-A6C34878D82A}">
-                    <a16:rowId xmlns="" xmlns:a16="http://schemas.microsoft.com/office/drawing/2014/main" val="10006"/>
+                    <a16:rowId xmlns:a16="http://schemas.microsoft.com/office/drawing/2014/main" xmlns="" val="10006"/>
                   </a:ext>
                 </a:extLst>
               </a:tr>
@@ -36996,7 +36992,7 @@
                   <a:t>A Classification algorithm tries to arrive at a function </a:t>
                 </a:r>
                 <a14:m>
-                  <m:oMath xmlns="" xmlns:m="http://schemas.openxmlformats.org/officeDocument/2006/math">
+                  <m:oMath xmlns:m="http://schemas.openxmlformats.org/officeDocument/2006/math" xmlns="">
                     <m:r>
                       <a:rPr lang="en-US" i="1">
                         <a:latin typeface="Cambria Math" panose="02040503050406030204" pitchFamily="18" charset="0"/>
@@ -37356,7 +37352,7 @@
           <a:graphicData uri="http://schemas.openxmlformats.org/presentationml/2006/ole">
             <mc:AlternateContent xmlns:mc="http://schemas.openxmlformats.org/markup-compatibility/2006">
               <mc:Choice xmlns:v="urn:schemas-microsoft-com:vml" Requires="v">
-                <p:oleObj spid="_x0000_s10256" name="Equation" r:id="rId5" imgW="3733800" imgH="457200" progId="Equation.3">
+                <p:oleObj spid="_x0000_s10258" name="Equation" r:id="rId5" imgW="3733800" imgH="457200" progId="Equation.3">
                   <p:embed/>
                 </p:oleObj>
               </mc:Choice>
@@ -37822,7 +37818,7 @@
           <a:graphicData uri="http://schemas.openxmlformats.org/presentationml/2006/ole">
             <mc:AlternateContent xmlns:mc="http://schemas.openxmlformats.org/markup-compatibility/2006">
               <mc:Choice xmlns:v="urn:schemas-microsoft-com:vml" Requires="v">
-                <p:oleObj spid="_x0000_s12333" name="Equation" r:id="rId4" imgW="774700" imgH="215900" progId="Equation.3">
+                <p:oleObj spid="_x0000_s12338" name="Equation" r:id="rId4" imgW="774700" imgH="215900" progId="Equation.3">
                   <p:embed/>
                 </p:oleObj>
               </mc:Choice>
@@ -37879,7 +37875,7 @@
           <a:graphicData uri="http://schemas.openxmlformats.org/presentationml/2006/ole">
             <mc:AlternateContent xmlns:mc="http://schemas.openxmlformats.org/markup-compatibility/2006">
               <mc:Choice xmlns:v="urn:schemas-microsoft-com:vml" Requires="v">
-                <p:oleObj spid="_x0000_s12334" name="Equation" r:id="rId6" imgW="469900" imgH="215900" progId="Equation.3">
+                <p:oleObj spid="_x0000_s12339" name="Equation" r:id="rId6" imgW="469900" imgH="215900" progId="Equation.3">
                   <p:embed/>
                 </p:oleObj>
               </mc:Choice>
@@ -37950,7 +37946,7 @@
             <a:graphicData uri="http://schemas.openxmlformats.org/presentationml/2006/ole">
               <mc:AlternateContent xmlns:mc="http://schemas.openxmlformats.org/markup-compatibility/2006">
                 <mc:Choice xmlns:v="urn:schemas-microsoft-com:vml" Requires="v">
-                  <p:oleObj spid="_x0000_s12335" name="Equation" r:id="rId8" imgW="1168400" imgH="457200" progId="Equation.3">
+                  <p:oleObj spid="_x0000_s12340" name="Equation" r:id="rId8" imgW="1168400" imgH="457200" progId="Equation.3">
                     <p:embed/>
                   </p:oleObj>
                 </mc:Choice>
@@ -38007,7 +38003,7 @@
             <a:graphicData uri="http://schemas.openxmlformats.org/presentationml/2006/ole">
               <mc:AlternateContent xmlns:mc="http://schemas.openxmlformats.org/markup-compatibility/2006">
                 <mc:Choice xmlns:v="urn:schemas-microsoft-com:vml" Requires="v">
-                  <p:oleObj spid="_x0000_s12336" name="Equation" r:id="rId10" imgW="3733800" imgH="457200" progId="Equation.3">
+                  <p:oleObj spid="_x0000_s12341" name="Equation" r:id="rId10" imgW="3733800" imgH="457200" progId="Equation.3">
                     <p:embed/>
                   </p:oleObj>
                 </mc:Choice>
@@ -38774,7 +38770,7 @@
           <a:graphicData uri="http://schemas.openxmlformats.org/presentationml/2006/ole">
             <mc:AlternateContent xmlns:mc="http://schemas.openxmlformats.org/markup-compatibility/2006">
               <mc:Choice xmlns:v="urn:schemas-microsoft-com:vml" Requires="v">
-                <p:oleObj spid="_x0000_s11334" name="Equation" r:id="rId4" imgW="3771900" imgH="457200" progId="Equation.3">
+                <p:oleObj spid="_x0000_s11341" name="Equation" r:id="rId4" imgW="3771900" imgH="457200" progId="Equation.3">
                   <p:embed/>
                 </p:oleObj>
               </mc:Choice>
@@ -38831,7 +38827,7 @@
           <a:graphicData uri="http://schemas.openxmlformats.org/presentationml/2006/ole">
             <mc:AlternateContent xmlns:mc="http://schemas.openxmlformats.org/markup-compatibility/2006">
               <mc:Choice xmlns:v="urn:schemas-microsoft-com:vml" Requires="v">
-                <p:oleObj spid="_x0000_s11335" name="Equation" r:id="rId6" imgW="1168400" imgH="457200" progId="Equation.3">
+                <p:oleObj spid="_x0000_s11342" name="Equation" r:id="rId6" imgW="1168400" imgH="457200" progId="Equation.3">
                   <p:embed/>
                 </p:oleObj>
               </mc:Choice>
@@ -38888,7 +38884,7 @@
           <a:graphicData uri="http://schemas.openxmlformats.org/presentationml/2006/ole">
             <mc:AlternateContent xmlns:mc="http://schemas.openxmlformats.org/markup-compatibility/2006">
               <mc:Choice xmlns:v="urn:schemas-microsoft-com:vml" Requires="v">
-                <p:oleObj spid="_x0000_s11336" name="Equation" r:id="rId8" imgW="1193800" imgH="457200" progId="Equation.3">
+                <p:oleObj spid="_x0000_s11343" name="Equation" r:id="rId8" imgW="1193800" imgH="457200" progId="Equation.3">
                   <p:embed/>
                 </p:oleObj>
               </mc:Choice>
@@ -38945,7 +38941,7 @@
           <a:graphicData uri="http://schemas.openxmlformats.org/presentationml/2006/ole">
             <mc:AlternateContent xmlns:mc="http://schemas.openxmlformats.org/markup-compatibility/2006">
               <mc:Choice xmlns:v="urn:schemas-microsoft-com:vml" Requires="v">
-                <p:oleObj spid="_x0000_s11337" name="Equation" r:id="rId10" imgW="800100" imgH="215900" progId="Equation.3">
+                <p:oleObj spid="_x0000_s11344" name="Equation" r:id="rId10" imgW="800100" imgH="215900" progId="Equation.3">
                   <p:embed/>
                 </p:oleObj>
               </mc:Choice>
@@ -39002,7 +38998,7 @@
           <a:graphicData uri="http://schemas.openxmlformats.org/presentationml/2006/ole">
             <mc:AlternateContent xmlns:mc="http://schemas.openxmlformats.org/markup-compatibility/2006">
               <mc:Choice xmlns:v="urn:schemas-microsoft-com:vml" Requires="v">
-                <p:oleObj spid="_x0000_s11338" name="Equation" r:id="rId12" imgW="774700" imgH="215900" progId="Equation.3">
+                <p:oleObj spid="_x0000_s11345" name="Equation" r:id="rId12" imgW="774700" imgH="215900" progId="Equation.3">
                   <p:embed/>
                 </p:oleObj>
               </mc:Choice>
@@ -39059,7 +39055,7 @@
           <a:graphicData uri="http://schemas.openxmlformats.org/presentationml/2006/ole">
             <mc:AlternateContent xmlns:mc="http://schemas.openxmlformats.org/markup-compatibility/2006">
               <mc:Choice xmlns:v="urn:schemas-microsoft-com:vml" Requires="v">
-                <p:oleObj spid="_x0000_s11339" name="Equation" r:id="rId14" imgW="469900" imgH="215900" progId="Equation.3">
+                <p:oleObj spid="_x0000_s11346" name="Equation" r:id="rId14" imgW="469900" imgH="215900" progId="Equation.3">
                   <p:embed/>
                 </p:oleObj>
               </mc:Choice>
@@ -39441,7 +39437,7 @@
           <a:graphicData uri="http://schemas.openxmlformats.org/presentationml/2006/ole">
             <mc:AlternateContent xmlns:mc="http://schemas.openxmlformats.org/markup-compatibility/2006">
               <mc:Choice xmlns:v="urn:schemas-microsoft-com:vml" Requires="v">
-                <p:oleObj spid="_x0000_s13335" name="Equation" r:id="rId4" imgW="3365500" imgH="457200" progId="Equation.3">
+                <p:oleObj spid="_x0000_s13338" name="Equation" r:id="rId4" imgW="3365500" imgH="457200" progId="Equation.3">
                   <p:embed/>
                 </p:oleObj>
               </mc:Choice>
@@ -39498,7 +39494,7 @@
           <a:graphicData uri="http://schemas.openxmlformats.org/presentationml/2006/ole">
             <mc:AlternateContent xmlns:mc="http://schemas.openxmlformats.org/markup-compatibility/2006">
               <mc:Choice xmlns:v="urn:schemas-microsoft-com:vml" Requires="v">
-                <p:oleObj spid="_x0000_s13336" name="Equation" r:id="rId6" imgW="2933700" imgH="457200" progId="Equation.3">
+                <p:oleObj spid="_x0000_s13339" name="Equation" r:id="rId6" imgW="2933700" imgH="457200" progId="Equation.3">
                   <p:embed/>
                 </p:oleObj>
               </mc:Choice>
@@ -42064,7 +42060,7 @@
           <a:graphicData uri="http://schemas.openxmlformats.org/presentationml/2006/ole">
             <mc:AlternateContent xmlns:mc="http://schemas.openxmlformats.org/markup-compatibility/2006">
               <mc:Choice xmlns:v="urn:schemas-microsoft-com:vml" Requires="v">
-                <p:oleObj spid="_x0000_s15406" name="Equation" r:id="rId4" imgW="4241800" imgH="431800" progId="Equation.3">
+                <p:oleObj spid="_x0000_s15414" name="Equation" r:id="rId4" imgW="4241800" imgH="431800" progId="Equation.3">
                   <p:embed/>
                 </p:oleObj>
               </mc:Choice>
@@ -42127,21 +42123,21 @@
                 <a:gridCol w="3307807">
                   <a:extLst>
                     <a:ext uri="{9D8B030D-6E8A-4147-A177-3AD203B41FA5}">
-                      <a16:colId xmlns="" xmlns:a16="http://schemas.microsoft.com/office/drawing/2014/main" val="20000"/>
+                      <a16:colId xmlns:a16="http://schemas.microsoft.com/office/drawing/2014/main" xmlns="" val="20000"/>
                     </a:ext>
                   </a:extLst>
                 </a:gridCol>
                 <a:gridCol w="3307807">
                   <a:extLst>
                     <a:ext uri="{9D8B030D-6E8A-4147-A177-3AD203B41FA5}">
-                      <a16:colId xmlns="" xmlns:a16="http://schemas.microsoft.com/office/drawing/2014/main" val="20001"/>
+                      <a16:colId xmlns:a16="http://schemas.microsoft.com/office/drawing/2014/main" xmlns="" val="20001"/>
                     </a:ext>
                   </a:extLst>
                 </a:gridCol>
                 <a:gridCol w="3307807">
                   <a:extLst>
                     <a:ext uri="{9D8B030D-6E8A-4147-A177-3AD203B41FA5}">
-                      <a16:colId xmlns="" xmlns:a16="http://schemas.microsoft.com/office/drawing/2014/main" val="20002"/>
+                      <a16:colId xmlns:a16="http://schemas.microsoft.com/office/drawing/2014/main" xmlns="" val="20002"/>
                     </a:ext>
                   </a:extLst>
                 </a:gridCol>
@@ -42197,7 +42193,7 @@
                 </a:tc>
                 <a:extLst>
                   <a:ext uri="{0D108BD9-81ED-4DB2-BD59-A6C34878D82A}">
-                    <a16:rowId xmlns="" xmlns:a16="http://schemas.microsoft.com/office/drawing/2014/main" val="10000"/>
+                    <a16:rowId xmlns:a16="http://schemas.microsoft.com/office/drawing/2014/main" xmlns="" val="10000"/>
                   </a:ext>
                 </a:extLst>
               </a:tr>
@@ -42254,7 +42250,7 @@
                 </a:tc>
                 <a:extLst>
                   <a:ext uri="{0D108BD9-81ED-4DB2-BD59-A6C34878D82A}">
-                    <a16:rowId xmlns="" xmlns:a16="http://schemas.microsoft.com/office/drawing/2014/main" val="10001"/>
+                    <a16:rowId xmlns:a16="http://schemas.microsoft.com/office/drawing/2014/main" xmlns="" val="10001"/>
                   </a:ext>
                 </a:extLst>
               </a:tr>
@@ -42311,7 +42307,7 @@
                 </a:tc>
                 <a:extLst>
                   <a:ext uri="{0D108BD9-81ED-4DB2-BD59-A6C34878D82A}">
-                    <a16:rowId xmlns="" xmlns:a16="http://schemas.microsoft.com/office/drawing/2014/main" val="10002"/>
+                    <a16:rowId xmlns:a16="http://schemas.microsoft.com/office/drawing/2014/main" xmlns="" val="10002"/>
                   </a:ext>
                 </a:extLst>
               </a:tr>
@@ -42368,7 +42364,7 @@
                 </a:tc>
                 <a:extLst>
                   <a:ext uri="{0D108BD9-81ED-4DB2-BD59-A6C34878D82A}">
-                    <a16:rowId xmlns="" xmlns:a16="http://schemas.microsoft.com/office/drawing/2014/main" val="10003"/>
+                    <a16:rowId xmlns:a16="http://schemas.microsoft.com/office/drawing/2014/main" xmlns="" val="10003"/>
                   </a:ext>
                 </a:extLst>
               </a:tr>
@@ -42398,7 +42394,7 @@
           <a:graphicData uri="http://schemas.openxmlformats.org/presentationml/2006/ole">
             <mc:AlternateContent xmlns:mc="http://schemas.openxmlformats.org/markup-compatibility/2006">
               <mc:Choice xmlns:v="urn:schemas-microsoft-com:vml" Requires="v">
-                <p:oleObj spid="_x0000_s15407" name="Equation" r:id="rId6" imgW="863600" imgH="393700" progId="Equation.3">
+                <p:oleObj spid="_x0000_s15415" name="Equation" r:id="rId6" imgW="863600" imgH="393700" progId="Equation.3">
                   <p:embed/>
                 </p:oleObj>
               </mc:Choice>
@@ -42455,7 +42451,7 @@
           <a:graphicData uri="http://schemas.openxmlformats.org/presentationml/2006/ole">
             <mc:AlternateContent xmlns:mc="http://schemas.openxmlformats.org/markup-compatibility/2006">
               <mc:Choice xmlns:v="urn:schemas-microsoft-com:vml" Requires="v">
-                <p:oleObj spid="_x0000_s15408" name="Equation" r:id="rId8" imgW="482600" imgH="393700" progId="Equation.3">
+                <p:oleObj spid="_x0000_s15416" name="Equation" r:id="rId8" imgW="482600" imgH="393700" progId="Equation.3">
                   <p:embed/>
                 </p:oleObj>
               </mc:Choice>
@@ -42512,7 +42508,7 @@
           <a:graphicData uri="http://schemas.openxmlformats.org/presentationml/2006/ole">
             <mc:AlternateContent xmlns:mc="http://schemas.openxmlformats.org/markup-compatibility/2006">
               <mc:Choice xmlns:v="urn:schemas-microsoft-com:vml" Requires="v">
-                <p:oleObj spid="_x0000_s15409" name="Equation" r:id="rId10" imgW="787400" imgH="393700" progId="Equation.3">
+                <p:oleObj spid="_x0000_s15417" name="Equation" r:id="rId10" imgW="787400" imgH="393700" progId="Equation.3">
                   <p:embed/>
                 </p:oleObj>
               </mc:Choice>
@@ -42569,7 +42565,7 @@
           <a:graphicData uri="http://schemas.openxmlformats.org/presentationml/2006/ole">
             <mc:AlternateContent xmlns:mc="http://schemas.openxmlformats.org/markup-compatibility/2006">
               <mc:Choice xmlns:v="urn:schemas-microsoft-com:vml" Requires="v">
-                <p:oleObj spid="_x0000_s15410" name="Equation" r:id="rId12" imgW="825500" imgH="558800" progId="Equation.3">
+                <p:oleObj spid="_x0000_s15418" name="Equation" r:id="rId12" imgW="825500" imgH="558800" progId="Equation.3">
                   <p:embed/>
                 </p:oleObj>
               </mc:Choice>
@@ -42626,7 +42622,7 @@
           <a:graphicData uri="http://schemas.openxmlformats.org/presentationml/2006/ole">
             <mc:AlternateContent xmlns:mc="http://schemas.openxmlformats.org/markup-compatibility/2006">
               <mc:Choice xmlns:v="urn:schemas-microsoft-com:vml" Requires="v">
-                <p:oleObj spid="_x0000_s15411" name="Equation" r:id="rId14" imgW="660400" imgH="546100" progId="Equation.3">
+                <p:oleObj spid="_x0000_s15419" name="Equation" r:id="rId14" imgW="660400" imgH="546100" progId="Equation.3">
                   <p:embed/>
                 </p:oleObj>
               </mc:Choice>
@@ -42683,7 +42679,7 @@
           <a:graphicData uri="http://schemas.openxmlformats.org/presentationml/2006/ole">
             <mc:AlternateContent xmlns:mc="http://schemas.openxmlformats.org/markup-compatibility/2006">
               <mc:Choice xmlns:v="urn:schemas-microsoft-com:vml" Requires="v">
-                <p:oleObj spid="_x0000_s15412" name="Equation" r:id="rId16" imgW="1270000" imgH="558800" progId="Equation.3">
+                <p:oleObj spid="_x0000_s15420" name="Equation" r:id="rId16" imgW="1270000" imgH="558800" progId="Equation.3">
                   <p:embed/>
                 </p:oleObj>
               </mc:Choice>
@@ -43132,7 +43128,7 @@
             <a:graphicData uri="http://schemas.openxmlformats.org/presentationml/2006/ole">
               <mc:AlternateContent xmlns:mc="http://schemas.openxmlformats.org/markup-compatibility/2006">
                 <mc:Choice xmlns:v="urn:schemas-microsoft-com:vml" Requires="v">
-                  <p:oleObj spid="_x0000_s16391" name="Equation" r:id="rId4" imgW="1308100" imgH="431800" progId="Equation.3">
+                  <p:oleObj spid="_x0000_s16393" name="Equation" r:id="rId4" imgW="1308100" imgH="431800" progId="Equation.3">
                     <p:embed/>
                   </p:oleObj>
                 </mc:Choice>
@@ -44248,7 +44244,7 @@
           <a:graphicData uri="http://schemas.openxmlformats.org/presentationml/2006/ole">
             <mc:AlternateContent xmlns:mc="http://schemas.openxmlformats.org/markup-compatibility/2006">
               <mc:Choice xmlns:v="urn:schemas-microsoft-com:vml" Requires="v">
-                <p:oleObj spid="_x0000_s17419" name="Equation" r:id="rId5" imgW="596900" imgH="457200" progId="Equation.3">
+                <p:oleObj spid="_x0000_s17422" name="Equation" r:id="rId5" imgW="596900" imgH="457200" progId="Equation.3">
                   <p:embed/>
                 </p:oleObj>
               </mc:Choice>
@@ -44305,7 +44301,7 @@
           <a:graphicData uri="http://schemas.openxmlformats.org/presentationml/2006/ole">
             <mc:AlternateContent xmlns:mc="http://schemas.openxmlformats.org/markup-compatibility/2006">
               <mc:Choice xmlns:v="urn:schemas-microsoft-com:vml" Requires="v">
-                <p:oleObj spid="_x0000_s17420" name="Equation" r:id="rId7" imgW="1003300" imgH="241300" progId="Equation.3">
+                <p:oleObj spid="_x0000_s17423" name="Equation" r:id="rId7" imgW="1003300" imgH="241300" progId="Equation.3">
                   <p:embed/>
                 </p:oleObj>
               </mc:Choice>
@@ -44664,7 +44660,7 @@
                     <a:t>Inverse Logit function allows us to convert to probability of </a:t>
                   </a:r>
                   <a14:m>
-                    <m:oMath xmlns="" xmlns:m="http://schemas.openxmlformats.org/officeDocument/2006/math">
+                    <m:oMath xmlns:m="http://schemas.openxmlformats.org/officeDocument/2006/math" xmlns="">
                       <m:r>
                         <a:rPr lang="en-US" i="1" dirty="0" smtClean="0">
                           <a:latin typeface="Cambria Math" panose="02040503050406030204" pitchFamily="18" charset="0"/>
@@ -49986,7 +49982,7 @@
               <a:graphicData uri="http://schemas.openxmlformats.org/presentationml/2006/ole">
                 <mc:AlternateContent xmlns:mc="http://schemas.openxmlformats.org/markup-compatibility/2006">
                   <mc:Choice xmlns:v="urn:schemas-microsoft-com:vml" Requires="v">
-                    <p:oleObj spid="_x0000_s1085" name="Equation" r:id="rId4" imgW="4102100" imgH="368300" progId="Equation.3">
+                    <p:oleObj spid="_x0000_s1088" name="Equation" r:id="rId4" imgW="4102100" imgH="368300" progId="Equation.3">
                       <p:embed/>
                     </p:oleObj>
                   </mc:Choice>
@@ -50087,7 +50083,7 @@
           <a:graphicData uri="http://schemas.openxmlformats.org/presentationml/2006/ole">
             <mc:AlternateContent xmlns:mc="http://schemas.openxmlformats.org/markup-compatibility/2006">
               <mc:Choice xmlns:v="urn:schemas-microsoft-com:vml" Requires="v">
-                <p:oleObj spid="_x0000_s1086" name="Equation" r:id="rId6" imgW="1215720" imgH="283320" progId="Equation.3">
+                <p:oleObj spid="_x0000_s1089" name="Equation" r:id="rId6" imgW="1215720" imgH="283320" progId="Equation.3">
                   <p:embed/>
                 </p:oleObj>
               </mc:Choice>
@@ -50610,7 +50606,7 @@
           <a:graphicData uri="http://schemas.openxmlformats.org/presentationml/2006/ole">
             <mc:AlternateContent xmlns:mc="http://schemas.openxmlformats.org/markup-compatibility/2006">
               <mc:Choice xmlns:v="urn:schemas-microsoft-com:vml" Requires="v">
-                <p:oleObj spid="_x0000_s2138" name="Equation" r:id="rId4" imgW="1234080" imgH="237600" progId="Equation.3">
+                <p:oleObj spid="_x0000_s2142" name="Equation" r:id="rId4" imgW="1234080" imgH="237600" progId="Equation.3">
                   <p:embed/>
                 </p:oleObj>
               </mc:Choice>
@@ -50686,7 +50682,7 @@
           <a:graphicData uri="http://schemas.openxmlformats.org/presentationml/2006/ole">
             <mc:AlternateContent xmlns:mc="http://schemas.openxmlformats.org/markup-compatibility/2006">
               <mc:Choice xmlns:v="urn:schemas-microsoft-com:vml" Requires="v">
-                <p:oleObj spid="_x0000_s2139" name="Equation" r:id="rId6" imgW="1508400" imgH="283320" progId="Equation.3">
+                <p:oleObj spid="_x0000_s2143" name="Equation" r:id="rId6" imgW="1508400" imgH="283320" progId="Equation.3">
                   <p:embed/>
                 </p:oleObj>
               </mc:Choice>
@@ -50762,7 +50758,7 @@
           <a:graphicData uri="http://schemas.openxmlformats.org/presentationml/2006/ole">
             <mc:AlternateContent xmlns:mc="http://schemas.openxmlformats.org/markup-compatibility/2006">
               <mc:Choice xmlns:v="urn:schemas-microsoft-com:vml" Requires="v">
-                <p:oleObj spid="_x0000_s2140" name="Equation" r:id="rId8" imgW="1462680" imgH="228240" progId="Equation.3">
+                <p:oleObj spid="_x0000_s2144" name="Equation" r:id="rId8" imgW="1462680" imgH="228240" progId="Equation.3">
                   <p:embed/>
                 </p:oleObj>
               </mc:Choice>
@@ -50868,7 +50864,7 @@
                   <a:t>Possible </a:t>
                 </a:r>
                 <a14:m>
-                  <m:oMath xmlns="" xmlns:m="http://schemas.openxmlformats.org/officeDocument/2006/math">
+                  <m:oMath xmlns:m="http://schemas.openxmlformats.org/officeDocument/2006/math" xmlns="">
                     <m:acc>
                       <m:accPr>
                         <m:chr m:val="⃑"/>
@@ -51129,7 +51125,7 @@
               <a:lstStyle/>
               <a:p>
                 <a14:m>
-                  <m:oMathPara xmlns="" xmlns:m="http://schemas.openxmlformats.org/officeDocument/2006/math">
+                  <m:oMathPara xmlns:m="http://schemas.openxmlformats.org/officeDocument/2006/math" xmlns="">
                     <m:oMathParaPr>
                       <m:jc m:val="centerGroup"/>
                     </m:oMathParaPr>
@@ -51212,7 +51208,7 @@
               <a:lstStyle/>
               <a:p>
                 <a14:m>
-                  <m:oMathPara xmlns="" xmlns:m="http://schemas.openxmlformats.org/officeDocument/2006/math">
+                  <m:oMathPara xmlns:m="http://schemas.openxmlformats.org/officeDocument/2006/math" xmlns="">
                     <m:oMathParaPr>
                       <m:jc m:val="centerGroup"/>
                     </m:oMathParaPr>
@@ -51295,7 +51291,7 @@
               <a:lstStyle/>
               <a:p>
                 <a14:m>
-                  <m:oMathPara xmlns="" xmlns:m="http://schemas.openxmlformats.org/officeDocument/2006/math">
+                  <m:oMathPara xmlns:m="http://schemas.openxmlformats.org/officeDocument/2006/math" xmlns="">
                     <m:oMathParaPr>
                       <m:jc m:val="centerGroup"/>
                     </m:oMathParaPr>
@@ -51378,7 +51374,7 @@
               <a:lstStyle/>
               <a:p>
                 <a14:m>
-                  <m:oMathPara xmlns="" xmlns:m="http://schemas.openxmlformats.org/officeDocument/2006/math">
+                  <m:oMathPara xmlns:m="http://schemas.openxmlformats.org/officeDocument/2006/math" xmlns="">
                     <m:oMathParaPr>
                       <m:jc m:val="centerGroup"/>
                     </m:oMathParaPr>
@@ -51545,7 +51541,7 @@
           <a:graphicData uri="http://schemas.openxmlformats.org/presentationml/2006/ole">
             <mc:AlternateContent xmlns:mc="http://schemas.openxmlformats.org/markup-compatibility/2006">
               <mc:Choice xmlns:v="urn:schemas-microsoft-com:vml" Requires="v">
-                <p:oleObj spid="_x0000_s3107" name="Equation" r:id="rId9" imgW="1215720" imgH="283320" progId="Equation.3">
+                <p:oleObj spid="_x0000_s3109" name="Equation" r:id="rId9" imgW="1215720" imgH="283320" progId="Equation.3">
                   <p:embed/>
                 </p:oleObj>
               </mc:Choice>
@@ -51651,7 +51647,7 @@
                   <a:t>Possible </a:t>
                 </a:r>
                 <a14:m>
-                  <m:oMath xmlns="" xmlns:m="http://schemas.openxmlformats.org/officeDocument/2006/math">
+                  <m:oMath xmlns:m="http://schemas.openxmlformats.org/officeDocument/2006/math" xmlns="">
                     <m:acc>
                       <m:accPr>
                         <m:chr m:val="⃑"/>
@@ -51793,7 +51789,7 @@
               <a:lstStyle/>
               <a:p>
                 <a14:m>
-                  <m:oMathPara xmlns="" xmlns:m="http://schemas.openxmlformats.org/officeDocument/2006/math">
+                  <m:oMathPara xmlns:m="http://schemas.openxmlformats.org/officeDocument/2006/math" xmlns="">
                     <m:oMathParaPr>
                       <m:jc m:val="centerGroup"/>
                     </m:oMathParaPr>
@@ -51876,7 +51872,7 @@
               <a:lstStyle/>
               <a:p>
                 <a14:m>
-                  <m:oMathPara xmlns="" xmlns:m="http://schemas.openxmlformats.org/officeDocument/2006/math">
+                  <m:oMathPara xmlns:m="http://schemas.openxmlformats.org/officeDocument/2006/math" xmlns="">
                     <m:oMathParaPr>
                       <m:jc m:val="centerGroup"/>
                     </m:oMathParaPr>
@@ -51959,7 +51955,7 @@
               <a:lstStyle/>
               <a:p>
                 <a14:m>
-                  <m:oMathPara xmlns="" xmlns:m="http://schemas.openxmlformats.org/officeDocument/2006/math">
+                  <m:oMathPara xmlns:m="http://schemas.openxmlformats.org/officeDocument/2006/math" xmlns="">
                     <m:oMathParaPr>
                       <m:jc m:val="centerGroup"/>
                     </m:oMathParaPr>
@@ -52211,7 +52207,7 @@
           <a:graphicData uri="http://schemas.openxmlformats.org/presentationml/2006/ole">
             <mc:AlternateContent xmlns:mc="http://schemas.openxmlformats.org/markup-compatibility/2006">
               <mc:Choice xmlns:v="urn:schemas-microsoft-com:vml" Requires="v">
-                <p:oleObj spid="_x0000_s4130" name="Equation" r:id="rId8" imgW="1142640" imgH="228240" progId="Equation.3">
+                <p:oleObj spid="_x0000_s4132" name="Equation" r:id="rId8" imgW="1142640" imgH="228240" progId="Equation.3">
                   <p:embed/>
                 </p:oleObj>
               </mc:Choice>
@@ -52375,7 +52371,7 @@
               <a:lstStyle/>
               <a:p>
                 <a14:m>
-                  <m:oMathPara xmlns="" xmlns:m="http://schemas.openxmlformats.org/officeDocument/2006/math">
+                  <m:oMathPara xmlns:m="http://schemas.openxmlformats.org/officeDocument/2006/math" xmlns="">
                     <m:oMathParaPr>
                       <m:jc m:val="centerGroup"/>
                     </m:oMathParaPr>
@@ -52677,7 +52673,7 @@
           <a:graphicData uri="http://schemas.openxmlformats.org/presentationml/2006/ole">
             <mc:AlternateContent xmlns:mc="http://schemas.openxmlformats.org/markup-compatibility/2006">
               <mc:Choice xmlns:v="urn:schemas-microsoft-com:vml" Requires="v">
-                <p:oleObj spid="_x0000_s5155" name="Equation" r:id="rId5" imgW="1473200" imgH="215900" progId="Equation.3">
+                <p:oleObj spid="_x0000_s5157" name="Equation" r:id="rId5" imgW="1473200" imgH="215900" progId="Equation.3">
                   <p:embed/>
                 </p:oleObj>
               </mc:Choice>
@@ -52814,14 +52810,14 @@
                 <a:gridCol w="4615317">
                   <a:extLst>
                     <a:ext uri="{9D8B030D-6E8A-4147-A177-3AD203B41FA5}">
-                      <a16:colId xmlns="" xmlns:a16="http://schemas.microsoft.com/office/drawing/2014/main" val="3648269138"/>
+                      <a16:colId xmlns:a16="http://schemas.microsoft.com/office/drawing/2014/main" xmlns="" val="3648269138"/>
                     </a:ext>
                   </a:extLst>
                 </a:gridCol>
                 <a:gridCol w="5794099">
                   <a:extLst>
                     <a:ext uri="{9D8B030D-6E8A-4147-A177-3AD203B41FA5}">
-                      <a16:colId xmlns="" xmlns:a16="http://schemas.microsoft.com/office/drawing/2014/main" val="738741370"/>
+                      <a16:colId xmlns:a16="http://schemas.microsoft.com/office/drawing/2014/main" xmlns="" val="738741370"/>
                     </a:ext>
                   </a:extLst>
                 </a:gridCol>
@@ -52884,7 +52880,7 @@
                 </a:tc>
                 <a:extLst>
                   <a:ext uri="{0D108BD9-81ED-4DB2-BD59-A6C34878D82A}">
-                    <a16:rowId xmlns="" xmlns:a16="http://schemas.microsoft.com/office/drawing/2014/main" val="447806695"/>
+                    <a16:rowId xmlns:a16="http://schemas.microsoft.com/office/drawing/2014/main" xmlns="" val="447806695"/>
                   </a:ext>
                 </a:extLst>
               </a:tr>
@@ -52933,7 +52929,7 @@
                 </a:tc>
                 <a:extLst>
                   <a:ext uri="{0D108BD9-81ED-4DB2-BD59-A6C34878D82A}">
-                    <a16:rowId xmlns="" xmlns:a16="http://schemas.microsoft.com/office/drawing/2014/main" val="2867611792"/>
+                    <a16:rowId xmlns:a16="http://schemas.microsoft.com/office/drawing/2014/main" xmlns="" val="2867611792"/>
                   </a:ext>
                 </a:extLst>
               </a:tr>
@@ -52971,7 +52967,7 @@
                 </a:tc>
                 <a:extLst>
                   <a:ext uri="{0D108BD9-81ED-4DB2-BD59-A6C34878D82A}">
-                    <a16:rowId xmlns="" xmlns:a16="http://schemas.microsoft.com/office/drawing/2014/main" val="3086991623"/>
+                    <a16:rowId xmlns:a16="http://schemas.microsoft.com/office/drawing/2014/main" xmlns="" val="3086991623"/>
                   </a:ext>
                 </a:extLst>
               </a:tr>
@@ -53009,7 +53005,7 @@
                 </a:tc>
                 <a:extLst>
                   <a:ext uri="{0D108BD9-81ED-4DB2-BD59-A6C34878D82A}">
-                    <a16:rowId xmlns="" xmlns:a16="http://schemas.microsoft.com/office/drawing/2014/main" val="2378181149"/>
+                    <a16:rowId xmlns:a16="http://schemas.microsoft.com/office/drawing/2014/main" xmlns="" val="2378181149"/>
                   </a:ext>
                 </a:extLst>
               </a:tr>
@@ -53047,7 +53043,7 @@
                 </a:tc>
                 <a:extLst>
                   <a:ext uri="{0D108BD9-81ED-4DB2-BD59-A6C34878D82A}">
-                    <a16:rowId xmlns="" xmlns:a16="http://schemas.microsoft.com/office/drawing/2014/main" val="3197898723"/>
+                    <a16:rowId xmlns:a16="http://schemas.microsoft.com/office/drawing/2014/main" xmlns="" val="3197898723"/>
                   </a:ext>
                 </a:extLst>
               </a:tr>
@@ -53077,7 +53073,7 @@
           <a:graphicData uri="http://schemas.openxmlformats.org/presentationml/2006/ole">
             <mc:AlternateContent xmlns:mc="http://schemas.openxmlformats.org/markup-compatibility/2006">
               <mc:Choice xmlns:v="urn:schemas-microsoft-com:vml" Requires="v">
-                <p:oleObj spid="_x0000_s6219" name="Equation" r:id="rId4" imgW="264960" imgH="228240" progId="Equation.3">
+                <p:oleObj spid="_x0000_s6223" name="Equation" r:id="rId4" imgW="264960" imgH="228240" progId="Equation.3">
                   <p:embed/>
                 </p:oleObj>
               </mc:Choice>
@@ -53153,7 +53149,7 @@
           <a:graphicData uri="http://schemas.openxmlformats.org/presentationml/2006/ole">
             <mc:AlternateContent xmlns:mc="http://schemas.openxmlformats.org/markup-compatibility/2006">
               <mc:Choice xmlns:v="urn:schemas-microsoft-com:vml" Requires="v">
-                <p:oleObj spid="_x0000_s6220" name="Equation" r:id="rId6" imgW="411120" imgH="383760" progId="Equation.3">
+                <p:oleObj spid="_x0000_s6224" name="Equation" r:id="rId6" imgW="411120" imgH="383760" progId="Equation.3">
                   <p:embed/>
                 </p:oleObj>
               </mc:Choice>
@@ -53229,7 +53225,7 @@
           <a:graphicData uri="http://schemas.openxmlformats.org/presentationml/2006/ole">
             <mc:AlternateContent xmlns:mc="http://schemas.openxmlformats.org/markup-compatibility/2006">
               <mc:Choice xmlns:v="urn:schemas-microsoft-com:vml" Requires="v">
-                <p:oleObj spid="_x0000_s6221" name="Equation" r:id="rId8" imgW="1279800" imgH="383760" progId="Equation.3">
+                <p:oleObj spid="_x0000_s6225" name="Equation" r:id="rId8" imgW="1279800" imgH="383760" progId="Equation.3">
                   <p:embed/>
                 </p:oleObj>
               </mc:Choice>
@@ -53623,7 +53619,7 @@
   <a:extraClrSchemeLst/>
   <a:extLst>
     <a:ext uri="{05A4C25C-085E-4340-85A3-A5531E510DB2}">
-      <thm15:themeFamily xmlns="" xmlns:thm15="http://schemas.microsoft.com/office/thememl/2012/main" name="Azure4ResearchTemplate" id="{DD1C6CE8-BDBA-0D4F-9930-3643ABC8EF0E}" vid="{B5C66FD7-0952-994B-96D6-AB3BB89097FE}"/>
+      <thm15:themeFamily xmlns:thm15="http://schemas.microsoft.com/office/thememl/2012/main" xmlns="" name="Azure4ResearchTemplate" id="{DD1C6CE8-BDBA-0D4F-9930-3643ABC8EF0E}" vid="{B5C66FD7-0952-994B-96D6-AB3BB89097FE}"/>
     </a:ext>
   </a:extLst>
 </a:theme>
@@ -53892,7 +53888,7 @@
   <a:extraClrSchemeLst/>
   <a:extLst>
     <a:ext uri="{05A4C25C-085E-4340-85A3-A5531E510DB2}">
-      <thm15:themeFamily xmlns="" xmlns:thm15="http://schemas.microsoft.com/office/thememl/2012/main" name="Office Theme" id="{62F939B6-93AF-4DB8-9C6B-D6C7DFDC589F}" vid="{4A3C46E8-61CC-4603-A589-7422A47A8E4A}"/>
+      <thm15:themeFamily xmlns:thm15="http://schemas.microsoft.com/office/thememl/2012/main" xmlns="" name="Office Theme" id="{62F939B6-93AF-4DB8-9C6B-D6C7DFDC589F}" vid="{4A3C46E8-61CC-4603-A589-7422A47A8E4A}"/>
     </a:ext>
   </a:extLst>
 </a:theme>
@@ -54161,7 +54157,7 @@
   <a:extraClrSchemeLst/>
   <a:extLst>
     <a:ext uri="{05A4C25C-085E-4340-85A3-A5531E510DB2}">
-      <thm15:themeFamily xmlns="" xmlns:thm15="http://schemas.microsoft.com/office/thememl/2012/main" name="Office Theme" id="{62F939B6-93AF-4DB8-9C6B-D6C7DFDC589F}" vid="{4A3C46E8-61CC-4603-A589-7422A47A8E4A}"/>
+      <thm15:themeFamily xmlns:thm15="http://schemas.microsoft.com/office/thememl/2012/main" xmlns="" name="Office Theme" id="{62F939B6-93AF-4DB8-9C6B-D6C7DFDC589F}" vid="{4A3C46E8-61CC-4603-A589-7422A47A8E4A}"/>
     </a:ext>
   </a:extLst>
 </a:theme>
@@ -54422,7 +54418,7 @@
   <a:extraClrSchemeLst/>
   <a:extLst>
     <a:ext uri="{05A4C25C-085E-4340-85A3-A5531E510DB2}">
-      <thm15:themeFamily xmlns="" xmlns:thm15="http://schemas.microsoft.com/office/thememl/2012/main" name="Office Theme" id="{62F939B6-93AF-4DB8-9C6B-D6C7DFDC589F}" vid="{4A3C46E8-61CC-4603-A589-7422A47A8E4A}"/>
+      <thm15:themeFamily xmlns:thm15="http://schemas.microsoft.com/office/thememl/2012/main" xmlns="" name="Office Theme" id="{62F939B6-93AF-4DB8-9C6B-D6C7DFDC589F}" vid="{4A3C46E8-61CC-4603-A589-7422A47A8E4A}"/>
     </a:ext>
   </a:extLst>
 </a:theme>
@@ -54717,7 +54713,7 @@
   <a:extraClrSchemeLst/>
   <a:extLst>
     <a:ext uri="{05A4C25C-085E-4340-85A3-A5531E510DB2}">
-      <thm15:themeFamily xmlns="" xmlns:thm15="http://schemas.microsoft.com/office/thememl/2012/main" name="Office Theme" id="{62F939B6-93AF-4DB8-9C6B-D6C7DFDC589F}" vid="{4A3C46E8-61CC-4603-A589-7422A47A8E4A}"/>
+      <thm15:themeFamily xmlns:thm15="http://schemas.microsoft.com/office/thememl/2012/main" xmlns="" name="Office Theme" id="{62F939B6-93AF-4DB8-9C6B-D6C7DFDC589F}" vid="{4A3C46E8-61CC-4603-A589-7422A47A8E4A}"/>
     </a:ext>
   </a:extLst>
 </a:theme>
